--- a/homework/HW3/HW3_12032189_刘禹熙.pptx
+++ b/homework/HW3/HW3_12032189_刘禹熙.pptx
@@ -5,7 +5,7 @@
     <p:sldMasterId id="2147483648" r:id="rId1"/>
   </p:sldMasterIdLst>
   <p:notesMasterIdLst>
-    <p:notesMasterId r:id="rId22"/>
+    <p:notesMasterId r:id="rId21"/>
   </p:notesMasterIdLst>
   <p:sldIdLst>
     <p:sldId id="256" r:id="rId2"/>
@@ -21,13 +21,12 @@
     <p:sldId id="268" r:id="rId12"/>
     <p:sldId id="269" r:id="rId13"/>
     <p:sldId id="270" r:id="rId14"/>
-    <p:sldId id="271" r:id="rId15"/>
-    <p:sldId id="272" r:id="rId16"/>
-    <p:sldId id="273" r:id="rId17"/>
-    <p:sldId id="274" r:id="rId18"/>
-    <p:sldId id="276" r:id="rId19"/>
-    <p:sldId id="277" r:id="rId20"/>
-    <p:sldId id="278" r:id="rId21"/>
+    <p:sldId id="272" r:id="rId15"/>
+    <p:sldId id="273" r:id="rId16"/>
+    <p:sldId id="274" r:id="rId17"/>
+    <p:sldId id="279" r:id="rId18"/>
+    <p:sldId id="277" r:id="rId19"/>
+    <p:sldId id="278" r:id="rId20"/>
   </p:sldIdLst>
   <p:sldSz cx="12192000" cy="6858000"/>
   <p:notesSz cx="6858000" cy="9144000"/>
@@ -216,7 +215,7 @@
           <a:p>
             <a:fld id="{64E48133-5521-4410-A078-A4E3FC8E8478}" type="datetimeFigureOut">
               <a:rPr lang="zh-CN" altLang="en-US" smtClean="0"/>
-              <a:t>2020/9/26</a:t>
+              <a:t>2020/10/9</a:t>
             </a:fld>
             <a:endParaRPr lang="zh-CN" altLang="en-US"/>
           </a:p>
@@ -548,7 +547,7 @@
           <a:p>
             <a:fld id="{E8525F45-7A1A-4F64-8D6B-F299382C411F}" type="slidenum">
               <a:rPr lang="zh-CN" altLang="en-US" smtClean="0"/>
-              <a:t>19</a:t>
+              <a:t>18</a:t>
             </a:fld>
             <a:endParaRPr lang="zh-CN" altLang="en-US"/>
           </a:p>
@@ -714,7 +713,7 @@
           <a:p>
             <a:fld id="{23807FF7-5135-4415-9EBF-85A0F228A2DD}" type="datetimeFigureOut">
               <a:rPr lang="zh-CN" altLang="en-US" smtClean="0"/>
-              <a:t>2020/9/26</a:t>
+              <a:t>2020/10/9</a:t>
             </a:fld>
             <a:endParaRPr lang="zh-CN" altLang="en-US"/>
           </a:p>
@@ -912,7 +911,7 @@
           <a:p>
             <a:fld id="{23807FF7-5135-4415-9EBF-85A0F228A2DD}" type="datetimeFigureOut">
               <a:rPr lang="zh-CN" altLang="en-US" smtClean="0"/>
-              <a:t>2020/9/26</a:t>
+              <a:t>2020/10/9</a:t>
             </a:fld>
             <a:endParaRPr lang="zh-CN" altLang="en-US"/>
           </a:p>
@@ -1120,7 +1119,7 @@
           <a:p>
             <a:fld id="{23807FF7-5135-4415-9EBF-85A0F228A2DD}" type="datetimeFigureOut">
               <a:rPr lang="zh-CN" altLang="en-US" smtClean="0"/>
-              <a:t>2020/9/26</a:t>
+              <a:t>2020/10/9</a:t>
             </a:fld>
             <a:endParaRPr lang="zh-CN" altLang="en-US"/>
           </a:p>
@@ -1318,7 +1317,7 @@
           <a:p>
             <a:fld id="{23807FF7-5135-4415-9EBF-85A0F228A2DD}" type="datetimeFigureOut">
               <a:rPr lang="zh-CN" altLang="en-US" smtClean="0"/>
-              <a:t>2020/9/26</a:t>
+              <a:t>2020/10/9</a:t>
             </a:fld>
             <a:endParaRPr lang="zh-CN" altLang="en-US"/>
           </a:p>
@@ -1593,7 +1592,7 @@
           <a:p>
             <a:fld id="{23807FF7-5135-4415-9EBF-85A0F228A2DD}" type="datetimeFigureOut">
               <a:rPr lang="zh-CN" altLang="en-US" smtClean="0"/>
-              <a:t>2020/9/26</a:t>
+              <a:t>2020/10/9</a:t>
             </a:fld>
             <a:endParaRPr lang="zh-CN" altLang="en-US"/>
           </a:p>
@@ -1858,7 +1857,7 @@
           <a:p>
             <a:fld id="{23807FF7-5135-4415-9EBF-85A0F228A2DD}" type="datetimeFigureOut">
               <a:rPr lang="zh-CN" altLang="en-US" smtClean="0"/>
-              <a:t>2020/9/26</a:t>
+              <a:t>2020/10/9</a:t>
             </a:fld>
             <a:endParaRPr lang="zh-CN" altLang="en-US"/>
           </a:p>
@@ -2270,7 +2269,7 @@
           <a:p>
             <a:fld id="{23807FF7-5135-4415-9EBF-85A0F228A2DD}" type="datetimeFigureOut">
               <a:rPr lang="zh-CN" altLang="en-US" smtClean="0"/>
-              <a:t>2020/9/26</a:t>
+              <a:t>2020/10/9</a:t>
             </a:fld>
             <a:endParaRPr lang="zh-CN" altLang="en-US"/>
           </a:p>
@@ -2411,7 +2410,7 @@
           <a:p>
             <a:fld id="{23807FF7-5135-4415-9EBF-85A0F228A2DD}" type="datetimeFigureOut">
               <a:rPr lang="zh-CN" altLang="en-US" smtClean="0"/>
-              <a:t>2020/9/26</a:t>
+              <a:t>2020/10/9</a:t>
             </a:fld>
             <a:endParaRPr lang="zh-CN" altLang="en-US"/>
           </a:p>
@@ -2524,7 +2523,7 @@
           <a:p>
             <a:fld id="{23807FF7-5135-4415-9EBF-85A0F228A2DD}" type="datetimeFigureOut">
               <a:rPr lang="zh-CN" altLang="en-US" smtClean="0"/>
-              <a:t>2020/9/26</a:t>
+              <a:t>2020/10/9</a:t>
             </a:fld>
             <a:endParaRPr lang="zh-CN" altLang="en-US"/>
           </a:p>
@@ -2835,7 +2834,7 @@
           <a:p>
             <a:fld id="{23807FF7-5135-4415-9EBF-85A0F228A2DD}" type="datetimeFigureOut">
               <a:rPr lang="zh-CN" altLang="en-US" smtClean="0"/>
-              <a:t>2020/9/26</a:t>
+              <a:t>2020/10/9</a:t>
             </a:fld>
             <a:endParaRPr lang="zh-CN" altLang="en-US"/>
           </a:p>
@@ -3123,7 +3122,7 @@
           <a:p>
             <a:fld id="{23807FF7-5135-4415-9EBF-85A0F228A2DD}" type="datetimeFigureOut">
               <a:rPr lang="zh-CN" altLang="en-US" smtClean="0"/>
-              <a:t>2020/9/26</a:t>
+              <a:t>2020/10/9</a:t>
             </a:fld>
             <a:endParaRPr lang="zh-CN" altLang="en-US"/>
           </a:p>
@@ -3364,7 +3363,7 @@
           <a:p>
             <a:fld id="{23807FF7-5135-4415-9EBF-85A0F228A2DD}" type="datetimeFigureOut">
               <a:rPr lang="zh-CN" altLang="en-US" smtClean="0"/>
-              <a:t>2020/9/26</a:t>
+              <a:t>2020/10/9</a:t>
             </a:fld>
             <a:endParaRPr lang="zh-CN" altLang="en-US"/>
           </a:p>
@@ -7427,7 +7426,7 @@
         <p:spPr>
           <a:xfrm>
             <a:off x="5234389" y="4771106"/>
-            <a:ext cx="900000" cy="302381"/>
+            <a:ext cx="1800000" cy="302381"/>
           </a:xfrm>
           <a:prstGeom prst="rect">
             <a:avLst/>
@@ -8465,7 +8464,7 @@
         </p:nvSpPr>
         <p:spPr>
           <a:xfrm>
-            <a:off x="2345516" y="4764293"/>
+            <a:off x="2363272" y="4764293"/>
             <a:ext cx="2880000" cy="309194"/>
           </a:xfrm>
           <a:prstGeom prst="rect">
@@ -8664,7 +8663,7 @@
         </p:nvSpPr>
         <p:spPr>
           <a:xfrm>
-            <a:off x="5234389" y="4771106"/>
+            <a:off x="5252145" y="4771106"/>
             <a:ext cx="1800000" cy="302381"/>
           </a:xfrm>
           <a:prstGeom prst="rect">
@@ -9610,7 +9609,7 @@
           <a:p>
             <a:r>
               <a:rPr lang="en-US" altLang="zh-CN" sz="2800" dirty="0"/>
-              <a:t>T1 = 26</a:t>
+              <a:t>T1 = 26(32)</a:t>
             </a:r>
             <a:endParaRPr lang="zh-CN" altLang="en-US" sz="2800" dirty="0"/>
           </a:p>
@@ -9646,7 +9645,7 @@
           <a:p>
             <a:r>
               <a:rPr lang="en-US" altLang="zh-CN" sz="2800" dirty="0"/>
-              <a:t>T2 = 26</a:t>
+              <a:t>T2 = 26(32)</a:t>
             </a:r>
             <a:endParaRPr lang="zh-CN" altLang="en-US" sz="2800" dirty="0"/>
           </a:p>
@@ -9682,7 +9681,7 @@
           <a:p>
             <a:r>
               <a:rPr lang="en-US" altLang="zh-CN" sz="2800" dirty="0"/>
-              <a:t>T3 = 23(27)</a:t>
+              <a:t>T3 = 26</a:t>
             </a:r>
             <a:endParaRPr lang="zh-CN" altLang="en-US" sz="2800" dirty="0"/>
           </a:p>
@@ -9752,7 +9751,7 @@
         </p:nvSpPr>
         <p:spPr>
           <a:xfrm>
-            <a:off x="2345516" y="4764293"/>
+            <a:off x="2363272" y="4764293"/>
             <a:ext cx="2880000" cy="309194"/>
           </a:xfrm>
           <a:prstGeom prst="rect">
@@ -9951,7 +9950,7 @@
         </p:nvSpPr>
         <p:spPr>
           <a:xfrm>
-            <a:off x="5234389" y="4771106"/>
+            <a:off x="5252145" y="4771106"/>
             <a:ext cx="1800000" cy="302381"/>
           </a:xfrm>
           <a:prstGeom prst="rect">
@@ -10035,10 +10034,59 @@
           </a:p>
         </p:txBody>
       </p:sp>
+      <p:sp>
+        <p:nvSpPr>
+          <p:cNvPr id="10" name="矩形 9">
+            <a:extLst>
+              <a:ext uri="{FF2B5EF4-FFF2-40B4-BE49-F238E27FC236}">
+                <a16:creationId xmlns:a16="http://schemas.microsoft.com/office/drawing/2014/main" id="{FD5BB890-558F-4FBD-A0EE-0E84EB1547B8}"/>
+              </a:ext>
+            </a:extLst>
+          </p:cNvPr>
+          <p:cNvSpPr/>
+          <p:nvPr/>
+        </p:nvSpPr>
+        <p:spPr>
+          <a:xfrm>
+            <a:off x="6511784" y="5334599"/>
+            <a:ext cx="540000" cy="303001"/>
+          </a:xfrm>
+          <a:prstGeom prst="rect">
+            <a:avLst/>
+          </a:prstGeom>
+        </p:spPr>
+        <p:style>
+          <a:lnRef idx="2">
+            <a:schemeClr val="accent1">
+              <a:shade val="50000"/>
+            </a:schemeClr>
+          </a:lnRef>
+          <a:fillRef idx="1">
+            <a:schemeClr val="accent1"/>
+          </a:fillRef>
+          <a:effectRef idx="0">
+            <a:schemeClr val="accent1"/>
+          </a:effectRef>
+          <a:fontRef idx="minor">
+            <a:schemeClr val="lt1"/>
+          </a:fontRef>
+        </p:style>
+        <p:txBody>
+          <a:bodyPr rtlCol="0" anchor="ctr"/>
+          <a:lstStyle/>
+          <a:p>
+            <a:pPr algn="ctr"/>
+            <a:r>
+              <a:rPr lang="en-US" altLang="zh-CN" dirty="0"/>
+              <a:t>J3</a:t>
+            </a:r>
+          </a:p>
+        </p:txBody>
+      </p:sp>
     </p:spTree>
     <p:extLst>
       <p:ext uri="{BB962C8B-B14F-4D97-AF65-F5344CB8AC3E}">
-        <p14:creationId xmlns:p14="http://schemas.microsoft.com/office/powerpoint/2010/main" val="3384749981"/>
+        <p14:creationId xmlns:p14="http://schemas.microsoft.com/office/powerpoint/2010/main" val="3518358037"/>
       </p:ext>
     </p:extLst>
   </p:cSld>
@@ -10897,7 +10945,7 @@
           <a:p>
             <a:r>
               <a:rPr lang="en-US" altLang="zh-CN" sz="2800" dirty="0"/>
-              <a:t>T1 = 26(32)</a:t>
+              <a:t>T1 = 26(30)</a:t>
             </a:r>
             <a:endParaRPr lang="zh-CN" altLang="en-US" sz="2800" dirty="0"/>
           </a:p>
@@ -10933,7 +10981,7 @@
           <a:p>
             <a:r>
               <a:rPr lang="en-US" altLang="zh-CN" sz="2800" dirty="0"/>
-              <a:t>T2 = 26(32)</a:t>
+              <a:t>T2 = 26(30)</a:t>
             </a:r>
             <a:endParaRPr lang="zh-CN" altLang="en-US" sz="2800" dirty="0"/>
           </a:p>
@@ -10969,7 +11017,7 @@
           <a:p>
             <a:r>
               <a:rPr lang="en-US" altLang="zh-CN" sz="2800" dirty="0"/>
-              <a:t>T3 = 26</a:t>
+              <a:t>T3 = 28</a:t>
             </a:r>
             <a:endParaRPr lang="zh-CN" altLang="en-US" sz="2800" dirty="0"/>
           </a:p>
@@ -11039,7 +11087,7 @@
         </p:nvSpPr>
         <p:spPr>
           <a:xfrm>
-            <a:off x="2345516" y="4764293"/>
+            <a:off x="2363272" y="4764293"/>
             <a:ext cx="2880000" cy="309194"/>
           </a:xfrm>
           <a:prstGeom prst="rect">
@@ -11238,7 +11286,7 @@
         </p:nvSpPr>
         <p:spPr>
           <a:xfrm>
-            <a:off x="5234389" y="4771106"/>
+            <a:off x="5252145" y="4771106"/>
             <a:ext cx="1800000" cy="302381"/>
           </a:xfrm>
           <a:prstGeom prst="rect">
@@ -11371,10 +11419,59 @@
           </a:p>
         </p:txBody>
       </p:sp>
+      <p:sp>
+        <p:nvSpPr>
+          <p:cNvPr id="9" name="矩形 8">
+            <a:extLst>
+              <a:ext uri="{FF2B5EF4-FFF2-40B4-BE49-F238E27FC236}">
+                <a16:creationId xmlns:a16="http://schemas.microsoft.com/office/drawing/2014/main" id="{9D599919-AE50-4AF3-8C84-71826A6FB9C4}"/>
+              </a:ext>
+            </a:extLst>
+          </p:cNvPr>
+          <p:cNvSpPr/>
+          <p:nvPr/>
+        </p:nvSpPr>
+        <p:spPr>
+          <a:xfrm>
+            <a:off x="7051784" y="5336182"/>
+            <a:ext cx="360000" cy="303001"/>
+          </a:xfrm>
+          <a:prstGeom prst="rect">
+            <a:avLst/>
+          </a:prstGeom>
+        </p:spPr>
+        <p:style>
+          <a:lnRef idx="2">
+            <a:schemeClr val="accent1">
+              <a:shade val="50000"/>
+            </a:schemeClr>
+          </a:lnRef>
+          <a:fillRef idx="1">
+            <a:schemeClr val="accent1"/>
+          </a:fillRef>
+          <a:effectRef idx="0">
+            <a:schemeClr val="accent1"/>
+          </a:effectRef>
+          <a:fontRef idx="minor">
+            <a:schemeClr val="lt1"/>
+          </a:fontRef>
+        </p:style>
+        <p:txBody>
+          <a:bodyPr rtlCol="0" anchor="ctr"/>
+          <a:lstStyle/>
+          <a:p>
+            <a:pPr algn="ctr"/>
+            <a:r>
+              <a:rPr lang="en-US" altLang="zh-CN" sz="1600" dirty="0"/>
+              <a:t>J2</a:t>
+            </a:r>
+          </a:p>
+        </p:txBody>
+      </p:sp>
     </p:spTree>
     <p:extLst>
       <p:ext uri="{BB962C8B-B14F-4D97-AF65-F5344CB8AC3E}">
-        <p14:creationId xmlns:p14="http://schemas.microsoft.com/office/powerpoint/2010/main" val="3518358037"/>
+        <p14:creationId xmlns:p14="http://schemas.microsoft.com/office/powerpoint/2010/main" val="2404246504"/>
       </p:ext>
     </p:extLst>
   </p:cSld>
@@ -12233,7 +12330,7 @@
           <a:p>
             <a:r>
               <a:rPr lang="en-US" altLang="zh-CN" sz="2800" dirty="0"/>
-              <a:t>T1 = 26(30)</a:t>
+              <a:t>T1 = 28</a:t>
             </a:r>
             <a:endParaRPr lang="zh-CN" altLang="en-US" sz="2800" dirty="0"/>
           </a:p>
@@ -12269,7 +12366,7 @@
           <a:p>
             <a:r>
               <a:rPr lang="en-US" altLang="zh-CN" sz="2800" dirty="0"/>
-              <a:t>T2 = 26(30)</a:t>
+              <a:t>T2 = 26(28)</a:t>
             </a:r>
             <a:endParaRPr lang="zh-CN" altLang="en-US" sz="2800" dirty="0"/>
           </a:p>
@@ -12575,1391 +12672,6 @@
         <p:spPr>
           <a:xfrm>
             <a:off x="5252145" y="4771106"/>
-            <a:ext cx="1800000" cy="302381"/>
-          </a:xfrm>
-          <a:prstGeom prst="rect">
-            <a:avLst/>
-          </a:prstGeom>
-        </p:spPr>
-        <p:style>
-          <a:lnRef idx="2">
-            <a:schemeClr val="accent1">
-              <a:shade val="50000"/>
-            </a:schemeClr>
-          </a:lnRef>
-          <a:fillRef idx="1">
-            <a:schemeClr val="accent1"/>
-          </a:fillRef>
-          <a:effectRef idx="0">
-            <a:schemeClr val="accent1"/>
-          </a:effectRef>
-          <a:fontRef idx="minor">
-            <a:schemeClr val="lt1"/>
-          </a:fontRef>
-        </p:style>
-        <p:txBody>
-          <a:bodyPr rtlCol="0" anchor="ctr"/>
-          <a:lstStyle/>
-          <a:p>
-            <a:pPr algn="ctr"/>
-            <a:r>
-              <a:rPr lang="en-US" altLang="zh-CN" dirty="0"/>
-              <a:t>J5</a:t>
-            </a:r>
-          </a:p>
-        </p:txBody>
-      </p:sp>
-      <p:sp>
-        <p:nvSpPr>
-          <p:cNvPr id="8" name="矩形 7">
-            <a:extLst>
-              <a:ext uri="{FF2B5EF4-FFF2-40B4-BE49-F238E27FC236}">
-                <a16:creationId xmlns:a16="http://schemas.microsoft.com/office/drawing/2014/main" id="{51FD0B9E-18F9-4FB0-916D-881DA79B1407}"/>
-              </a:ext>
-            </a:extLst>
-          </p:cNvPr>
-          <p:cNvSpPr/>
-          <p:nvPr/>
-        </p:nvSpPr>
-        <p:spPr>
-          <a:xfrm>
-            <a:off x="5602825" y="4195982"/>
-            <a:ext cx="1440000" cy="302381"/>
-          </a:xfrm>
-          <a:prstGeom prst="rect">
-            <a:avLst/>
-          </a:prstGeom>
-        </p:spPr>
-        <p:style>
-          <a:lnRef idx="2">
-            <a:schemeClr val="accent1">
-              <a:shade val="50000"/>
-            </a:schemeClr>
-          </a:lnRef>
-          <a:fillRef idx="1">
-            <a:schemeClr val="accent1"/>
-          </a:fillRef>
-          <a:effectRef idx="0">
-            <a:schemeClr val="accent1"/>
-          </a:effectRef>
-          <a:fontRef idx="minor">
-            <a:schemeClr val="lt1"/>
-          </a:fontRef>
-        </p:style>
-        <p:txBody>
-          <a:bodyPr rtlCol="0" anchor="ctr"/>
-          <a:lstStyle/>
-          <a:p>
-            <a:pPr algn="ctr"/>
-            <a:r>
-              <a:rPr lang="en-US" altLang="zh-CN" dirty="0"/>
-              <a:t>J4</a:t>
-            </a:r>
-          </a:p>
-        </p:txBody>
-      </p:sp>
-      <p:sp>
-        <p:nvSpPr>
-          <p:cNvPr id="10" name="矩形 9">
-            <a:extLst>
-              <a:ext uri="{FF2B5EF4-FFF2-40B4-BE49-F238E27FC236}">
-                <a16:creationId xmlns:a16="http://schemas.microsoft.com/office/drawing/2014/main" id="{FD5BB890-558F-4FBD-A0EE-0E84EB1547B8}"/>
-              </a:ext>
-            </a:extLst>
-          </p:cNvPr>
-          <p:cNvSpPr/>
-          <p:nvPr/>
-        </p:nvSpPr>
-        <p:spPr>
-          <a:xfrm>
-            <a:off x="6511784" y="5334599"/>
-            <a:ext cx="540000" cy="303001"/>
-          </a:xfrm>
-          <a:prstGeom prst="rect">
-            <a:avLst/>
-          </a:prstGeom>
-        </p:spPr>
-        <p:style>
-          <a:lnRef idx="2">
-            <a:schemeClr val="accent1">
-              <a:shade val="50000"/>
-            </a:schemeClr>
-          </a:lnRef>
-          <a:fillRef idx="1">
-            <a:schemeClr val="accent1"/>
-          </a:fillRef>
-          <a:effectRef idx="0">
-            <a:schemeClr val="accent1"/>
-          </a:effectRef>
-          <a:fontRef idx="minor">
-            <a:schemeClr val="lt1"/>
-          </a:fontRef>
-        </p:style>
-        <p:txBody>
-          <a:bodyPr rtlCol="0" anchor="ctr"/>
-          <a:lstStyle/>
-          <a:p>
-            <a:pPr algn="ctr"/>
-            <a:r>
-              <a:rPr lang="en-US" altLang="zh-CN" dirty="0"/>
-              <a:t>J3</a:t>
-            </a:r>
-          </a:p>
-        </p:txBody>
-      </p:sp>
-      <p:sp>
-        <p:nvSpPr>
-          <p:cNvPr id="9" name="矩形 8">
-            <a:extLst>
-              <a:ext uri="{FF2B5EF4-FFF2-40B4-BE49-F238E27FC236}">
-                <a16:creationId xmlns:a16="http://schemas.microsoft.com/office/drawing/2014/main" id="{9D599919-AE50-4AF3-8C84-71826A6FB9C4}"/>
-              </a:ext>
-            </a:extLst>
-          </p:cNvPr>
-          <p:cNvSpPr/>
-          <p:nvPr/>
-        </p:nvSpPr>
-        <p:spPr>
-          <a:xfrm>
-            <a:off x="7051784" y="5336182"/>
-            <a:ext cx="360000" cy="303001"/>
-          </a:xfrm>
-          <a:prstGeom prst="rect">
-            <a:avLst/>
-          </a:prstGeom>
-        </p:spPr>
-        <p:style>
-          <a:lnRef idx="2">
-            <a:schemeClr val="accent1">
-              <a:shade val="50000"/>
-            </a:schemeClr>
-          </a:lnRef>
-          <a:fillRef idx="1">
-            <a:schemeClr val="accent1"/>
-          </a:fillRef>
-          <a:effectRef idx="0">
-            <a:schemeClr val="accent1"/>
-          </a:effectRef>
-          <a:fontRef idx="minor">
-            <a:schemeClr val="lt1"/>
-          </a:fontRef>
-        </p:style>
-        <p:txBody>
-          <a:bodyPr rtlCol="0" anchor="ctr"/>
-          <a:lstStyle/>
-          <a:p>
-            <a:pPr algn="ctr"/>
-            <a:r>
-              <a:rPr lang="en-US" altLang="zh-CN" dirty="0"/>
-              <a:t>j2</a:t>
-            </a:r>
-          </a:p>
-        </p:txBody>
-      </p:sp>
-    </p:spTree>
-    <p:extLst>
-      <p:ext uri="{BB962C8B-B14F-4D97-AF65-F5344CB8AC3E}">
-        <p14:creationId xmlns:p14="http://schemas.microsoft.com/office/powerpoint/2010/main" val="2404246504"/>
-      </p:ext>
-    </p:extLst>
-  </p:cSld>
-  <p:clrMapOvr>
-    <a:masterClrMapping/>
-  </p:clrMapOvr>
-</p:sld>
-</file>
-
-<file path=ppt/slides/slide17.xml><?xml version="1.0" encoding="utf-8"?>
-<p:sld xmlns:a="http://schemas.openxmlformats.org/drawingml/2006/main" xmlns:r="http://schemas.openxmlformats.org/officeDocument/2006/relationships" xmlns:p="http://schemas.openxmlformats.org/presentationml/2006/main">
-  <p:cSld>
-    <p:spTree>
-      <p:nvGrpSpPr>
-        <p:cNvPr id="1" name=""/>
-        <p:cNvGrpSpPr/>
-        <p:nvPr/>
-      </p:nvGrpSpPr>
-      <p:grpSpPr>
-        <a:xfrm>
-          <a:off x="0" y="0"/>
-          <a:ext cx="0" cy="0"/>
-          <a:chOff x="0" y="0"/>
-          <a:chExt cx="0" cy="0"/>
-        </a:xfrm>
-      </p:grpSpPr>
-      <p:sp>
-        <p:nvSpPr>
-          <p:cNvPr id="4" name="标题 1">
-            <a:extLst>
-              <a:ext uri="{FF2B5EF4-FFF2-40B4-BE49-F238E27FC236}">
-                <a16:creationId xmlns:a16="http://schemas.microsoft.com/office/drawing/2014/main" id="{1EA6C3A5-1001-445C-A77E-0C8EA367598B}"/>
-              </a:ext>
-            </a:extLst>
-          </p:cNvPr>
-          <p:cNvSpPr>
-            <a:spLocks noGrp="1"/>
-          </p:cNvSpPr>
-          <p:nvPr>
-            <p:ph type="title"/>
-          </p:nvPr>
-        </p:nvSpPr>
-        <p:spPr>
-          <a:xfrm>
-            <a:off x="659907" y="12603"/>
-            <a:ext cx="10515600" cy="1325563"/>
-          </a:xfrm>
-        </p:spPr>
-        <p:txBody>
-          <a:bodyPr/>
-          <a:lstStyle/>
-          <a:p>
-            <a:r>
-              <a:rPr lang="en-US" altLang="zh-CN" b="1" dirty="0"/>
-              <a:t>Exercise 2-2</a:t>
-            </a:r>
-            <a:endParaRPr lang="zh-CN" altLang="en-US" dirty="0"/>
-          </a:p>
-        </p:txBody>
-      </p:sp>
-      <mc:AlternateContent xmlns:mc="http://schemas.openxmlformats.org/markup-compatibility/2006" xmlns:a14="http://schemas.microsoft.com/office/drawing/2010/main">
-        <mc:Choice Requires="a14">
-          <p:sp>
-            <p:nvSpPr>
-              <p:cNvPr id="5" name="内容占位符 2">
-                <a:extLst>
-                  <a:ext uri="{FF2B5EF4-FFF2-40B4-BE49-F238E27FC236}">
-                    <a16:creationId xmlns:a16="http://schemas.microsoft.com/office/drawing/2014/main" id="{AECF6ECE-3685-494B-9166-39BEFD73C713}"/>
-                  </a:ext>
-                </a:extLst>
-              </p:cNvPr>
-              <p:cNvSpPr>
-                <a:spLocks noGrp="1"/>
-              </p:cNvSpPr>
-              <p:nvPr>
-                <p:ph idx="1"/>
-              </p:nvPr>
-            </p:nvSpPr>
-            <p:spPr>
-              <a:xfrm>
-                <a:off x="709104" y="1095679"/>
-                <a:ext cx="10773792" cy="2668453"/>
-              </a:xfrm>
-            </p:spPr>
-            <p:txBody>
-              <a:bodyPr>
-                <a:normAutofit/>
-              </a:bodyPr>
-              <a:lstStyle/>
-              <a:p>
-                <a:r>
-                  <a:rPr lang="en-US" altLang="zh-CN" dirty="0"/>
-                  <a:t>Example: </a:t>
-                </a:r>
-                <a14:m>
-                  <m:oMath xmlns:m="http://schemas.openxmlformats.org/officeDocument/2006/math">
-                    <m:sSub>
-                      <m:sSubPr>
-                        <m:ctrlPr>
-                          <a:rPr lang="en-US" altLang="zh-CN" i="1" smtClean="0">
-                            <a:latin typeface="Cambria Math" panose="02040503050406030204" pitchFamily="18" charset="0"/>
-                          </a:rPr>
-                        </m:ctrlPr>
-                      </m:sSubPr>
-                      <m:e>
-                        <m:r>
-                          <a:rPr lang="en-US" altLang="zh-CN" b="0" i="1" smtClean="0">
-                            <a:latin typeface="Cambria Math" panose="02040503050406030204" pitchFamily="18" charset="0"/>
-                          </a:rPr>
-                          <m:t>𝑀</m:t>
-                        </m:r>
-                      </m:e>
-                      <m:sub>
-                        <m:r>
-                          <a:rPr lang="en-US" altLang="zh-CN" b="0" i="1" smtClean="0">
-                            <a:latin typeface="Cambria Math" panose="02040503050406030204" pitchFamily="18" charset="0"/>
-                          </a:rPr>
-                          <m:t>3</m:t>
-                        </m:r>
-                      </m:sub>
-                    </m:sSub>
-                  </m:oMath>
-                </a14:m>
-                <a:r>
-                  <a:rPr lang="en-US" altLang="zh-CN" dirty="0"/>
-                  <a:t> needs less processing times than the others.</a:t>
-                </a:r>
-              </a:p>
-              <a:p>
-                <a:pPr marL="457200" lvl="1" indent="0">
-                  <a:buNone/>
-                </a:pPr>
-                <a:r>
-                  <a:rPr lang="en-US" altLang="zh-CN" dirty="0"/>
-                  <a:t>Three Machines:</a:t>
-                </a:r>
-                <a14:m>
-                  <m:oMath xmlns:m="http://schemas.openxmlformats.org/officeDocument/2006/math">
-                    <m:sSub>
-                      <m:sSubPr>
-                        <m:ctrlPr>
-                          <a:rPr lang="en-US" altLang="zh-CN" i="1" smtClean="0">
-                            <a:latin typeface="Cambria Math" panose="02040503050406030204" pitchFamily="18" charset="0"/>
-                          </a:rPr>
-                        </m:ctrlPr>
-                      </m:sSubPr>
-                      <m:e>
-                        <m:r>
-                          <a:rPr lang="en-US" altLang="zh-CN" b="0" i="1" smtClean="0">
-                            <a:latin typeface="Cambria Math" panose="02040503050406030204" pitchFamily="18" charset="0"/>
-                          </a:rPr>
-                          <m:t>𝑀</m:t>
-                        </m:r>
-                      </m:e>
-                      <m:sub>
-                        <m:r>
-                          <a:rPr lang="en-US" altLang="zh-CN" b="0" i="1" smtClean="0">
-                            <a:latin typeface="Cambria Math" panose="02040503050406030204" pitchFamily="18" charset="0"/>
-                          </a:rPr>
-                          <m:t>1</m:t>
-                        </m:r>
-                      </m:sub>
-                    </m:sSub>
-                  </m:oMath>
-                </a14:m>
-                <a:r>
-                  <a:rPr lang="en-US" altLang="zh-CN" dirty="0"/>
-                  <a:t>, </a:t>
-                </a:r>
-                <a14:m>
-                  <m:oMath xmlns:m="http://schemas.openxmlformats.org/officeDocument/2006/math">
-                    <m:sSub>
-                      <m:sSubPr>
-                        <m:ctrlPr>
-                          <a:rPr lang="en-US" altLang="zh-CN" i="1" smtClean="0">
-                            <a:latin typeface="Cambria Math" panose="02040503050406030204" pitchFamily="18" charset="0"/>
-                          </a:rPr>
-                        </m:ctrlPr>
-                      </m:sSubPr>
-                      <m:e>
-                        <m:r>
-                          <a:rPr lang="en-US" altLang="zh-CN" b="0" i="1" smtClean="0">
-                            <a:latin typeface="Cambria Math" panose="02040503050406030204" pitchFamily="18" charset="0"/>
-                          </a:rPr>
-                          <m:t>𝑀</m:t>
-                        </m:r>
-                      </m:e>
-                      <m:sub>
-                        <m:r>
-                          <a:rPr lang="en-US" altLang="zh-CN" b="0" i="1" smtClean="0">
-                            <a:latin typeface="Cambria Math" panose="02040503050406030204" pitchFamily="18" charset="0"/>
-                          </a:rPr>
-                          <m:t>2</m:t>
-                        </m:r>
-                      </m:sub>
-                    </m:sSub>
-                  </m:oMath>
-                </a14:m>
-                <a:r>
-                  <a:rPr lang="en-US" altLang="zh-CN" dirty="0"/>
-                  <a:t>, </a:t>
-                </a:r>
-                <a14:m>
-                  <m:oMath xmlns:m="http://schemas.openxmlformats.org/officeDocument/2006/math">
-                    <m:sSub>
-                      <m:sSubPr>
-                        <m:ctrlPr>
-                          <a:rPr lang="en-US" altLang="zh-CN" i="1" smtClean="0">
-                            <a:latin typeface="Cambria Math" panose="02040503050406030204" pitchFamily="18" charset="0"/>
-                          </a:rPr>
-                        </m:ctrlPr>
-                      </m:sSubPr>
-                      <m:e>
-                        <m:r>
-                          <a:rPr lang="en-US" altLang="zh-CN" b="0" i="1" smtClean="0">
-                            <a:latin typeface="Cambria Math" panose="02040503050406030204" pitchFamily="18" charset="0"/>
-                          </a:rPr>
-                          <m:t>𝑀</m:t>
-                        </m:r>
-                      </m:e>
-                      <m:sub>
-                        <m:r>
-                          <a:rPr lang="en-US" altLang="zh-CN" b="0" i="1" smtClean="0">
-                            <a:latin typeface="Cambria Math" panose="02040503050406030204" pitchFamily="18" charset="0"/>
-                          </a:rPr>
-                          <m:t>3</m:t>
-                        </m:r>
-                      </m:sub>
-                    </m:sSub>
-                  </m:oMath>
-                </a14:m>
-                <a:endParaRPr lang="en-US" altLang="zh-CN" b="0" dirty="0"/>
-              </a:p>
-              <a:p>
-                <a:pPr marL="457200" lvl="1" indent="0">
-                  <a:buNone/>
-                </a:pPr>
-                <a:r>
-                  <a:rPr lang="en-US" altLang="zh-CN" dirty="0"/>
-                  <a:t>Ten Jobs: </a:t>
-                </a:r>
-                <a14:m>
-                  <m:oMath xmlns:m="http://schemas.openxmlformats.org/officeDocument/2006/math">
-                    <m:sSub>
-                      <m:sSubPr>
-                        <m:ctrlPr>
-                          <a:rPr lang="en-US" altLang="zh-CN" i="1" smtClean="0">
-                            <a:latin typeface="Cambria Math" panose="02040503050406030204" pitchFamily="18" charset="0"/>
-                          </a:rPr>
-                        </m:ctrlPr>
-                      </m:sSubPr>
-                      <m:e>
-                        <m:r>
-                          <a:rPr lang="en-US" altLang="zh-CN" b="0" i="1" smtClean="0">
-                            <a:latin typeface="Cambria Math" panose="02040503050406030204" pitchFamily="18" charset="0"/>
-                          </a:rPr>
-                          <m:t>𝐽</m:t>
-                        </m:r>
-                      </m:e>
-                      <m:sub>
-                        <m:r>
-                          <a:rPr lang="en-US" altLang="zh-CN" b="0" i="1" smtClean="0">
-                            <a:latin typeface="Cambria Math" panose="02040503050406030204" pitchFamily="18" charset="0"/>
-                          </a:rPr>
-                          <m:t>1</m:t>
-                        </m:r>
-                      </m:sub>
-                    </m:sSub>
-                    <m:r>
-                      <a:rPr lang="en-US" altLang="zh-CN" b="0" i="0" smtClean="0">
-                        <a:latin typeface="Cambria Math" panose="02040503050406030204" pitchFamily="18" charset="0"/>
-                      </a:rPr>
-                      <m:t>,</m:t>
-                    </m:r>
-                    <m:sSub>
-                      <m:sSubPr>
-                        <m:ctrlPr>
-                          <a:rPr lang="en-US" altLang="zh-CN" i="1" smtClean="0">
-                            <a:latin typeface="Cambria Math" panose="02040503050406030204" pitchFamily="18" charset="0"/>
-                          </a:rPr>
-                        </m:ctrlPr>
-                      </m:sSubPr>
-                      <m:e>
-                        <m:r>
-                          <a:rPr lang="en-US" altLang="zh-CN" b="0" i="1" smtClean="0">
-                            <a:latin typeface="Cambria Math" panose="02040503050406030204" pitchFamily="18" charset="0"/>
-                          </a:rPr>
-                          <m:t>𝐽</m:t>
-                        </m:r>
-                      </m:e>
-                      <m:sub>
-                        <m:r>
-                          <a:rPr lang="en-US" altLang="zh-CN" b="0" i="1" smtClean="0">
-                            <a:latin typeface="Cambria Math" panose="02040503050406030204" pitchFamily="18" charset="0"/>
-                          </a:rPr>
-                          <m:t>2</m:t>
-                        </m:r>
-                      </m:sub>
-                    </m:sSub>
-                    <m:r>
-                      <a:rPr lang="en-US" altLang="zh-CN" b="0" i="1" smtClean="0">
-                        <a:latin typeface="Cambria Math" panose="02040503050406030204" pitchFamily="18" charset="0"/>
-                      </a:rPr>
-                      <m:t>,</m:t>
-                    </m:r>
-                    <m:r>
-                      <a:rPr lang="en-US" altLang="zh-CN" b="0" i="1" smtClean="0">
-                        <a:latin typeface="Cambria Math" panose="02040503050406030204" pitchFamily="18" charset="0"/>
-                        <a:ea typeface="Cambria Math" panose="02040503050406030204" pitchFamily="18" charset="0"/>
-                      </a:rPr>
-                      <m:t>⋯</m:t>
-                    </m:r>
-                    <m:sSub>
-                      <m:sSubPr>
-                        <m:ctrlPr>
-                          <a:rPr lang="en-US" altLang="zh-CN" i="1" smtClean="0">
-                            <a:latin typeface="Cambria Math" panose="02040503050406030204" pitchFamily="18" charset="0"/>
-                          </a:rPr>
-                        </m:ctrlPr>
-                      </m:sSubPr>
-                      <m:e>
-                        <m:r>
-                          <a:rPr lang="en-US" altLang="zh-CN" b="0" i="1" smtClean="0">
-                            <a:latin typeface="Cambria Math" panose="02040503050406030204" pitchFamily="18" charset="0"/>
-                          </a:rPr>
-                          <m:t>𝐽</m:t>
-                        </m:r>
-                      </m:e>
-                      <m:sub>
-                        <m:r>
-                          <a:rPr lang="en-US" altLang="zh-CN" b="0" i="1" smtClean="0">
-                            <a:latin typeface="Cambria Math" panose="02040503050406030204" pitchFamily="18" charset="0"/>
-                          </a:rPr>
-                          <m:t>10</m:t>
-                        </m:r>
-                      </m:sub>
-                    </m:sSub>
-                  </m:oMath>
-                </a14:m>
-                <a:endParaRPr lang="en-US" altLang="zh-CN" b="0" dirty="0"/>
-              </a:p>
-              <a:p>
-                <a:pPr marL="457200" lvl="1" indent="0">
-                  <a:buNone/>
-                </a:pPr>
-                <a:r>
-                  <a:rPr lang="en-US" altLang="zh-CN" dirty="0"/>
-                  <a:t>Processing time(</a:t>
-                </a:r>
-                <a14:m>
-                  <m:oMath xmlns:m="http://schemas.openxmlformats.org/officeDocument/2006/math">
-                    <m:sSub>
-                      <m:sSubPr>
-                        <m:ctrlPr>
-                          <a:rPr lang="en-US" altLang="zh-CN" i="1" smtClean="0">
-                            <a:latin typeface="Cambria Math" panose="02040503050406030204" pitchFamily="18" charset="0"/>
-                          </a:rPr>
-                        </m:ctrlPr>
-                      </m:sSubPr>
-                      <m:e>
-                        <m:r>
-                          <a:rPr lang="en-US" altLang="zh-CN" b="0" i="1" smtClean="0">
-                            <a:latin typeface="Cambria Math" panose="02040503050406030204" pitchFamily="18" charset="0"/>
-                          </a:rPr>
-                          <m:t>𝑡</m:t>
-                        </m:r>
-                      </m:e>
-                      <m:sub>
-                        <m:r>
-                          <a:rPr lang="en-US" altLang="zh-CN" b="0" i="1" smtClean="0">
-                            <a:latin typeface="Cambria Math" panose="02040503050406030204" pitchFamily="18" charset="0"/>
-                          </a:rPr>
-                          <m:t>𝑗</m:t>
-                        </m:r>
-                      </m:sub>
-                    </m:sSub>
-                  </m:oMath>
-                </a14:m>
-                <a:r>
-                  <a:rPr lang="en-US" altLang="zh-CN" b="0" dirty="0"/>
-                  <a:t>):2,4,6,…,20 on </a:t>
-                </a:r>
-                <a14:m>
-                  <m:oMath xmlns:m="http://schemas.openxmlformats.org/officeDocument/2006/math">
-                    <m:sSub>
-                      <m:sSubPr>
-                        <m:ctrlPr>
-                          <a:rPr lang="en-US" altLang="zh-CN" i="1" smtClean="0">
-                            <a:latin typeface="Cambria Math" panose="02040503050406030204" pitchFamily="18" charset="0"/>
-                          </a:rPr>
-                        </m:ctrlPr>
-                      </m:sSubPr>
-                      <m:e>
-                        <m:r>
-                          <a:rPr lang="en-US" altLang="zh-CN" b="0" i="1" smtClean="0">
-                            <a:latin typeface="Cambria Math" panose="02040503050406030204" pitchFamily="18" charset="0"/>
-                          </a:rPr>
-                          <m:t>𝑀</m:t>
-                        </m:r>
-                      </m:e>
-                      <m:sub>
-                        <m:r>
-                          <a:rPr lang="en-US" altLang="zh-CN" b="0" i="1" smtClean="0">
-                            <a:latin typeface="Cambria Math" panose="02040503050406030204" pitchFamily="18" charset="0"/>
-                          </a:rPr>
-                          <m:t>1</m:t>
-                        </m:r>
-                      </m:sub>
-                    </m:sSub>
-                    <m:r>
-                      <m:rPr>
-                        <m:sty m:val="p"/>
-                      </m:rPr>
-                      <a:rPr lang="en-US" altLang="zh-CN" b="0" i="0" smtClean="0">
-                        <a:latin typeface="Cambria Math" panose="02040503050406030204" pitchFamily="18" charset="0"/>
-                      </a:rPr>
-                      <m:t>and</m:t>
-                    </m:r>
-                  </m:oMath>
-                </a14:m>
-                <a:r>
-                  <a:rPr lang="en-US" altLang="zh-CN" dirty="0"/>
-                  <a:t> </a:t>
-                </a:r>
-                <a14:m>
-                  <m:oMath xmlns:m="http://schemas.openxmlformats.org/officeDocument/2006/math">
-                    <m:sSub>
-                      <m:sSubPr>
-                        <m:ctrlPr>
-                          <a:rPr lang="en-US" altLang="zh-CN" i="1" smtClean="0">
-                            <a:latin typeface="Cambria Math" panose="02040503050406030204" pitchFamily="18" charset="0"/>
-                          </a:rPr>
-                        </m:ctrlPr>
-                      </m:sSubPr>
-                      <m:e>
-                        <m:r>
-                          <a:rPr lang="en-US" altLang="zh-CN" b="0" i="1" smtClean="0">
-                            <a:latin typeface="Cambria Math" panose="02040503050406030204" pitchFamily="18" charset="0"/>
-                          </a:rPr>
-                          <m:t>𝑀</m:t>
-                        </m:r>
-                      </m:e>
-                      <m:sub>
-                        <m:r>
-                          <a:rPr lang="en-US" altLang="zh-CN" b="0" i="1" smtClean="0">
-                            <a:latin typeface="Cambria Math" panose="02040503050406030204" pitchFamily="18" charset="0"/>
-                          </a:rPr>
-                          <m:t>2</m:t>
-                        </m:r>
-                      </m:sub>
-                    </m:sSub>
-                  </m:oMath>
-                </a14:m>
-                <a:endParaRPr lang="en-US" altLang="zh-CN" b="0" dirty="0"/>
-              </a:p>
-              <a:p>
-                <a:pPr marL="457200" lvl="1" indent="0">
-                  <a:buNone/>
-                </a:pPr>
-                <a:r>
-                  <a:rPr lang="en-US" altLang="zh-CN" dirty="0"/>
-                  <a:t>			   1,2,3,…,10 on </a:t>
-                </a:r>
-                <a14:m>
-                  <m:oMath xmlns:m="http://schemas.openxmlformats.org/officeDocument/2006/math">
-                    <m:sSub>
-                      <m:sSubPr>
-                        <m:ctrlPr>
-                          <a:rPr lang="en-US" altLang="zh-CN" i="1" smtClean="0">
-                            <a:latin typeface="Cambria Math" panose="02040503050406030204" pitchFamily="18" charset="0"/>
-                          </a:rPr>
-                        </m:ctrlPr>
-                      </m:sSubPr>
-                      <m:e>
-                        <m:r>
-                          <a:rPr lang="en-US" altLang="zh-CN" b="0" i="1" smtClean="0">
-                            <a:latin typeface="Cambria Math" panose="02040503050406030204" pitchFamily="18" charset="0"/>
-                          </a:rPr>
-                          <m:t>𝑀</m:t>
-                        </m:r>
-                      </m:e>
-                      <m:sub>
-                        <m:r>
-                          <a:rPr lang="en-US" altLang="zh-CN" b="0" i="1" smtClean="0">
-                            <a:latin typeface="Cambria Math" panose="02040503050406030204" pitchFamily="18" charset="0"/>
-                          </a:rPr>
-                          <m:t>3</m:t>
-                        </m:r>
-                      </m:sub>
-                    </m:sSub>
-                  </m:oMath>
-                </a14:m>
-                <a:endParaRPr lang="en-US" altLang="zh-CN" dirty="0"/>
-              </a:p>
-              <a:p>
-                <a:pPr marL="457200" lvl="1" indent="0">
-                  <a:buNone/>
-                </a:pPr>
-                <a:r>
-                  <a:rPr lang="en-US" altLang="zh-CN" dirty="0"/>
-                  <a:t>Job order: </a:t>
-                </a:r>
-                <a14:m>
-                  <m:oMath xmlns:m="http://schemas.openxmlformats.org/officeDocument/2006/math">
-                    <m:sSub>
-                      <m:sSubPr>
-                        <m:ctrlPr>
-                          <a:rPr lang="en-US" altLang="zh-CN" i="1" smtClean="0">
-                            <a:latin typeface="Cambria Math" panose="02040503050406030204" pitchFamily="18" charset="0"/>
-                          </a:rPr>
-                        </m:ctrlPr>
-                      </m:sSubPr>
-                      <m:e>
-                        <m:r>
-                          <a:rPr lang="en-US" altLang="zh-CN" b="0" i="1" smtClean="0">
-                            <a:latin typeface="Cambria Math" panose="02040503050406030204" pitchFamily="18" charset="0"/>
-                          </a:rPr>
-                          <m:t>𝐽</m:t>
-                        </m:r>
-                      </m:e>
-                      <m:sub>
-                        <m:r>
-                          <a:rPr lang="en-US" altLang="zh-CN" b="0" i="1" smtClean="0">
-                            <a:latin typeface="Cambria Math" panose="02040503050406030204" pitchFamily="18" charset="0"/>
-                          </a:rPr>
-                          <m:t>10</m:t>
-                        </m:r>
-                      </m:sub>
-                    </m:sSub>
-                    <m:r>
-                      <a:rPr lang="en-US" altLang="zh-CN" b="0" i="0" smtClean="0">
-                        <a:latin typeface="Cambria Math" panose="02040503050406030204" pitchFamily="18" charset="0"/>
-                      </a:rPr>
-                      <m:t>,</m:t>
-                    </m:r>
-                    <m:sSub>
-                      <m:sSubPr>
-                        <m:ctrlPr>
-                          <a:rPr lang="en-US" altLang="zh-CN" i="1" smtClean="0">
-                            <a:latin typeface="Cambria Math" panose="02040503050406030204" pitchFamily="18" charset="0"/>
-                          </a:rPr>
-                        </m:ctrlPr>
-                      </m:sSubPr>
-                      <m:e>
-                        <m:r>
-                          <a:rPr lang="en-US" altLang="zh-CN" b="0" i="1" smtClean="0">
-                            <a:latin typeface="Cambria Math" panose="02040503050406030204" pitchFamily="18" charset="0"/>
-                          </a:rPr>
-                          <m:t>𝐽</m:t>
-                        </m:r>
-                      </m:e>
-                      <m:sub>
-                        <m:r>
-                          <a:rPr lang="en-US" altLang="zh-CN" b="0" i="1" smtClean="0">
-                            <a:latin typeface="Cambria Math" panose="02040503050406030204" pitchFamily="18" charset="0"/>
-                          </a:rPr>
-                          <m:t>9</m:t>
-                        </m:r>
-                      </m:sub>
-                    </m:sSub>
-                    <m:r>
-                      <a:rPr lang="en-US" altLang="zh-CN" b="0" i="1" smtClean="0">
-                        <a:latin typeface="Cambria Math" panose="02040503050406030204" pitchFamily="18" charset="0"/>
-                      </a:rPr>
-                      <m:t>,</m:t>
-                    </m:r>
-                    <m:r>
-                      <a:rPr lang="en-US" altLang="zh-CN" b="0" i="1" smtClean="0">
-                        <a:latin typeface="Cambria Math" panose="02040503050406030204" pitchFamily="18" charset="0"/>
-                        <a:ea typeface="Cambria Math" panose="02040503050406030204" pitchFamily="18" charset="0"/>
-                      </a:rPr>
-                      <m:t>⋯</m:t>
-                    </m:r>
-                    <m:sSub>
-                      <m:sSubPr>
-                        <m:ctrlPr>
-                          <a:rPr lang="en-US" altLang="zh-CN" i="1" smtClean="0">
-                            <a:latin typeface="Cambria Math" panose="02040503050406030204" pitchFamily="18" charset="0"/>
-                          </a:rPr>
-                        </m:ctrlPr>
-                      </m:sSubPr>
-                      <m:e>
-                        <m:r>
-                          <a:rPr lang="en-US" altLang="zh-CN" b="0" i="1" smtClean="0">
-                            <a:latin typeface="Cambria Math" panose="02040503050406030204" pitchFamily="18" charset="0"/>
-                          </a:rPr>
-                          <m:t>𝐽</m:t>
-                        </m:r>
-                      </m:e>
-                      <m:sub>
-                        <m:r>
-                          <a:rPr lang="en-US" altLang="zh-CN" b="0" i="1" smtClean="0">
-                            <a:latin typeface="Cambria Math" panose="02040503050406030204" pitchFamily="18" charset="0"/>
-                          </a:rPr>
-                          <m:t>1</m:t>
-                        </m:r>
-                      </m:sub>
-                    </m:sSub>
-                  </m:oMath>
-                </a14:m>
-                <a:endParaRPr lang="en-US" altLang="zh-CN" dirty="0"/>
-              </a:p>
-              <a:p>
-                <a:pPr marL="457200" lvl="1" indent="0">
-                  <a:buNone/>
-                </a:pPr>
-                <a:endParaRPr lang="en-US" altLang="zh-CN" dirty="0"/>
-              </a:p>
-              <a:p>
-                <a:pPr marL="457200" lvl="1" indent="0">
-                  <a:buNone/>
-                </a:pPr>
-                <a:endParaRPr lang="en-US" altLang="zh-CN" dirty="0"/>
-              </a:p>
-              <a:p>
-                <a:pPr marL="457200" lvl="1" indent="0">
-                  <a:buNone/>
-                </a:pPr>
-                <a:endParaRPr lang="en-US" altLang="zh-CN" dirty="0"/>
-              </a:p>
-              <a:p>
-                <a:pPr marL="457200" lvl="1" indent="0">
-                  <a:buNone/>
-                </a:pPr>
-                <a:endParaRPr lang="en-US" altLang="zh-CN" dirty="0"/>
-              </a:p>
-              <a:p>
-                <a:pPr marL="457200" lvl="1" indent="0">
-                  <a:buNone/>
-                </a:pPr>
-                <a:endParaRPr lang="en-US" altLang="zh-CN" b="0" dirty="0"/>
-              </a:p>
-            </p:txBody>
-          </p:sp>
-        </mc:Choice>
-        <mc:Fallback xmlns="">
-          <p:sp>
-            <p:nvSpPr>
-              <p:cNvPr id="5" name="内容占位符 2">
-                <a:extLst>
-                  <a:ext uri="{FF2B5EF4-FFF2-40B4-BE49-F238E27FC236}">
-                    <a16:creationId xmlns:a16="http://schemas.microsoft.com/office/drawing/2014/main" id="{AECF6ECE-3685-494B-9166-39BEFD73C713}"/>
-                  </a:ext>
-                </a:extLst>
-              </p:cNvPr>
-              <p:cNvSpPr>
-                <a:spLocks noGrp="1" noRot="1" noChangeAspect="1" noMove="1" noResize="1" noEditPoints="1" noAdjustHandles="1" noChangeArrowheads="1" noChangeShapeType="1" noTextEdit="1"/>
-              </p:cNvSpPr>
-              <p:nvPr>
-                <p:ph idx="1"/>
-              </p:nvPr>
-            </p:nvSpPr>
-            <p:spPr>
-              <a:xfrm>
-                <a:off x="709104" y="1095679"/>
-                <a:ext cx="10773792" cy="2668453"/>
-              </a:xfrm>
-              <a:blipFill>
-                <a:blip r:embed="rId2"/>
-                <a:stretch>
-                  <a:fillRect l="-1018" t="-4119"/>
-                </a:stretch>
-              </a:blipFill>
-            </p:spPr>
-            <p:txBody>
-              <a:bodyPr/>
-              <a:lstStyle/>
-              <a:p>
-                <a:r>
-                  <a:rPr lang="zh-CN" altLang="en-US">
-                    <a:noFill/>
-                  </a:rPr>
-                  <a:t> </a:t>
-                </a:r>
-              </a:p>
-            </p:txBody>
-          </p:sp>
-        </mc:Fallback>
-      </mc:AlternateContent>
-      <p:sp>
-        <p:nvSpPr>
-          <p:cNvPr id="20" name="文本框 19">
-            <a:extLst>
-              <a:ext uri="{FF2B5EF4-FFF2-40B4-BE49-F238E27FC236}">
-                <a16:creationId xmlns:a16="http://schemas.microsoft.com/office/drawing/2014/main" id="{BB4C5E21-5831-4395-9AAB-1DD7B3E9AE99}"/>
-              </a:ext>
-            </a:extLst>
-          </p:cNvPr>
-          <p:cNvSpPr txBox="1"/>
-          <p:nvPr/>
-        </p:nvSpPr>
-        <p:spPr>
-          <a:xfrm>
-            <a:off x="1523593" y="4066463"/>
-            <a:ext cx="821923" cy="523220"/>
-          </a:xfrm>
-          <a:prstGeom prst="rect">
-            <a:avLst/>
-          </a:prstGeom>
-          <a:noFill/>
-        </p:spPr>
-        <p:txBody>
-          <a:bodyPr wrap="square" rtlCol="0">
-            <a:spAutoFit/>
-          </a:bodyPr>
-          <a:lstStyle/>
-          <a:p>
-            <a:r>
-              <a:rPr lang="en-US" altLang="zh-CN" sz="2800" dirty="0"/>
-              <a:t>M1</a:t>
-            </a:r>
-            <a:endParaRPr lang="zh-CN" altLang="en-US" sz="2800" dirty="0"/>
-          </a:p>
-        </p:txBody>
-      </p:sp>
-      <p:sp>
-        <p:nvSpPr>
-          <p:cNvPr id="21" name="文本框 20">
-            <a:extLst>
-              <a:ext uri="{FF2B5EF4-FFF2-40B4-BE49-F238E27FC236}">
-                <a16:creationId xmlns:a16="http://schemas.microsoft.com/office/drawing/2014/main" id="{704ADFDA-F21D-40CD-8119-CC2446FEBD17}"/>
-              </a:ext>
-            </a:extLst>
-          </p:cNvPr>
-          <p:cNvSpPr txBox="1"/>
-          <p:nvPr/>
-        </p:nvSpPr>
-        <p:spPr>
-          <a:xfrm>
-            <a:off x="1541344" y="4653217"/>
-            <a:ext cx="821923" cy="523220"/>
-          </a:xfrm>
-          <a:prstGeom prst="rect">
-            <a:avLst/>
-          </a:prstGeom>
-          <a:noFill/>
-        </p:spPr>
-        <p:txBody>
-          <a:bodyPr wrap="square" rtlCol="0">
-            <a:spAutoFit/>
-          </a:bodyPr>
-          <a:lstStyle/>
-          <a:p>
-            <a:r>
-              <a:rPr lang="en-US" altLang="zh-CN" sz="2800" dirty="0"/>
-              <a:t>M2</a:t>
-            </a:r>
-            <a:endParaRPr lang="zh-CN" altLang="en-US" sz="2800" dirty="0"/>
-          </a:p>
-        </p:txBody>
-      </p:sp>
-      <p:sp>
-        <p:nvSpPr>
-          <p:cNvPr id="22" name="文本框 21">
-            <a:extLst>
-              <a:ext uri="{FF2B5EF4-FFF2-40B4-BE49-F238E27FC236}">
-                <a16:creationId xmlns:a16="http://schemas.microsoft.com/office/drawing/2014/main" id="{119F44BF-401F-4434-8DCE-B0F3159B8CEA}"/>
-              </a:ext>
-            </a:extLst>
-          </p:cNvPr>
-          <p:cNvSpPr txBox="1"/>
-          <p:nvPr/>
-        </p:nvSpPr>
-        <p:spPr>
-          <a:xfrm>
-            <a:off x="1541345" y="5239972"/>
-            <a:ext cx="821923" cy="523220"/>
-          </a:xfrm>
-          <a:prstGeom prst="rect">
-            <a:avLst/>
-          </a:prstGeom>
-          <a:noFill/>
-        </p:spPr>
-        <p:txBody>
-          <a:bodyPr wrap="square" rtlCol="0">
-            <a:spAutoFit/>
-          </a:bodyPr>
-          <a:lstStyle/>
-          <a:p>
-            <a:r>
-              <a:rPr lang="en-US" altLang="zh-CN" sz="2800" dirty="0"/>
-              <a:t>M3</a:t>
-            </a:r>
-            <a:endParaRPr lang="zh-CN" altLang="en-US" sz="2800" dirty="0"/>
-          </a:p>
-        </p:txBody>
-      </p:sp>
-      <p:cxnSp>
-        <p:nvCxnSpPr>
-          <p:cNvPr id="23" name="直接连接符 22">
-            <a:extLst>
-              <a:ext uri="{FF2B5EF4-FFF2-40B4-BE49-F238E27FC236}">
-                <a16:creationId xmlns:a16="http://schemas.microsoft.com/office/drawing/2014/main" id="{C2DBAEB1-43D4-4413-966F-4B00B1758909}"/>
-              </a:ext>
-            </a:extLst>
-          </p:cNvPr>
-          <p:cNvCxnSpPr/>
-          <p:nvPr/>
-        </p:nvCxnSpPr>
-        <p:spPr>
-          <a:xfrm>
-            <a:off x="2363267" y="3931526"/>
-            <a:ext cx="0" cy="2015231"/>
-          </a:xfrm>
-          <a:prstGeom prst="line">
-            <a:avLst/>
-          </a:prstGeom>
-          <a:ln w="12700">
-            <a:solidFill>
-              <a:srgbClr val="FF0000"/>
-            </a:solidFill>
-          </a:ln>
-        </p:spPr>
-        <p:style>
-          <a:lnRef idx="1">
-            <a:schemeClr val="accent1"/>
-          </a:lnRef>
-          <a:fillRef idx="0">
-            <a:schemeClr val="accent1"/>
-          </a:fillRef>
-          <a:effectRef idx="0">
-            <a:schemeClr val="accent1"/>
-          </a:effectRef>
-          <a:fontRef idx="minor">
-            <a:schemeClr val="tx1"/>
-          </a:fontRef>
-        </p:style>
-      </p:cxnSp>
-      <p:sp>
-        <p:nvSpPr>
-          <p:cNvPr id="25" name="文本框 24">
-            <a:extLst>
-              <a:ext uri="{FF2B5EF4-FFF2-40B4-BE49-F238E27FC236}">
-                <a16:creationId xmlns:a16="http://schemas.microsoft.com/office/drawing/2014/main" id="{9FB445EB-7576-43C7-A81F-F415261A6A6B}"/>
-              </a:ext>
-            </a:extLst>
-          </p:cNvPr>
-          <p:cNvSpPr txBox="1"/>
-          <p:nvPr/>
-        </p:nvSpPr>
-        <p:spPr>
-          <a:xfrm>
-            <a:off x="8714397" y="4051392"/>
-            <a:ext cx="2214005" cy="523220"/>
-          </a:xfrm>
-          <a:prstGeom prst="rect">
-            <a:avLst/>
-          </a:prstGeom>
-          <a:noFill/>
-        </p:spPr>
-        <p:txBody>
-          <a:bodyPr wrap="square" rtlCol="0">
-            <a:spAutoFit/>
-          </a:bodyPr>
-          <a:lstStyle/>
-          <a:p>
-            <a:r>
-              <a:rPr lang="en-US" altLang="zh-CN" sz="2800" dirty="0"/>
-              <a:t>T1 = 28</a:t>
-            </a:r>
-            <a:endParaRPr lang="zh-CN" altLang="en-US" sz="2800" dirty="0"/>
-          </a:p>
-        </p:txBody>
-      </p:sp>
-      <p:sp>
-        <p:nvSpPr>
-          <p:cNvPr id="26" name="文本框 25">
-            <a:extLst>
-              <a:ext uri="{FF2B5EF4-FFF2-40B4-BE49-F238E27FC236}">
-                <a16:creationId xmlns:a16="http://schemas.microsoft.com/office/drawing/2014/main" id="{76DBBA54-21E9-4347-A05E-78FA99BD1343}"/>
-              </a:ext>
-            </a:extLst>
-          </p:cNvPr>
-          <p:cNvSpPr txBox="1"/>
-          <p:nvPr/>
-        </p:nvSpPr>
-        <p:spPr>
-          <a:xfrm>
-            <a:off x="8732149" y="4638146"/>
-            <a:ext cx="2000014" cy="523220"/>
-          </a:xfrm>
-          <a:prstGeom prst="rect">
-            <a:avLst/>
-          </a:prstGeom>
-          <a:noFill/>
-        </p:spPr>
-        <p:txBody>
-          <a:bodyPr wrap="square" rtlCol="0">
-            <a:spAutoFit/>
-          </a:bodyPr>
-          <a:lstStyle/>
-          <a:p>
-            <a:r>
-              <a:rPr lang="en-US" altLang="zh-CN" sz="2800" dirty="0"/>
-              <a:t>T2 = 26(28)</a:t>
-            </a:r>
-            <a:endParaRPr lang="zh-CN" altLang="en-US" sz="2800" dirty="0"/>
-          </a:p>
-        </p:txBody>
-      </p:sp>
-      <p:sp>
-        <p:nvSpPr>
-          <p:cNvPr id="27" name="文本框 26">
-            <a:extLst>
-              <a:ext uri="{FF2B5EF4-FFF2-40B4-BE49-F238E27FC236}">
-                <a16:creationId xmlns:a16="http://schemas.microsoft.com/office/drawing/2014/main" id="{502DD17D-3D55-4773-8D60-A7F66FE62ADC}"/>
-              </a:ext>
-            </a:extLst>
-          </p:cNvPr>
-          <p:cNvSpPr txBox="1"/>
-          <p:nvPr/>
-        </p:nvSpPr>
-        <p:spPr>
-          <a:xfrm>
-            <a:off x="8732150" y="5224901"/>
-            <a:ext cx="2443357" cy="523220"/>
-          </a:xfrm>
-          <a:prstGeom prst="rect">
-            <a:avLst/>
-          </a:prstGeom>
-          <a:noFill/>
-        </p:spPr>
-        <p:txBody>
-          <a:bodyPr wrap="square" rtlCol="0">
-            <a:spAutoFit/>
-          </a:bodyPr>
-          <a:lstStyle/>
-          <a:p>
-            <a:r>
-              <a:rPr lang="en-US" altLang="zh-CN" sz="2800" dirty="0"/>
-              <a:t>T3 = 28</a:t>
-            </a:r>
-            <a:endParaRPr lang="zh-CN" altLang="en-US" sz="2800" dirty="0"/>
-          </a:p>
-        </p:txBody>
-      </p:sp>
-      <p:sp>
-        <p:nvSpPr>
-          <p:cNvPr id="33" name="矩形 32">
-            <a:extLst>
-              <a:ext uri="{FF2B5EF4-FFF2-40B4-BE49-F238E27FC236}">
-                <a16:creationId xmlns:a16="http://schemas.microsoft.com/office/drawing/2014/main" id="{8BAFDDFA-89BA-4E34-B0CE-8874C55ECBB1}"/>
-              </a:ext>
-            </a:extLst>
-          </p:cNvPr>
-          <p:cNvSpPr/>
-          <p:nvPr/>
-        </p:nvSpPr>
-        <p:spPr>
-          <a:xfrm>
-            <a:off x="2363267" y="5331914"/>
-            <a:ext cx="1800000" cy="309194"/>
-          </a:xfrm>
-          <a:prstGeom prst="rect">
-            <a:avLst/>
-          </a:prstGeom>
-        </p:spPr>
-        <p:style>
-          <a:lnRef idx="2">
-            <a:schemeClr val="accent1">
-              <a:shade val="50000"/>
-            </a:schemeClr>
-          </a:lnRef>
-          <a:fillRef idx="1">
-            <a:schemeClr val="accent1"/>
-          </a:fillRef>
-          <a:effectRef idx="0">
-            <a:schemeClr val="accent1"/>
-          </a:effectRef>
-          <a:fontRef idx="minor">
-            <a:schemeClr val="lt1"/>
-          </a:fontRef>
-        </p:style>
-        <p:txBody>
-          <a:bodyPr rtlCol="0" anchor="ctr"/>
-          <a:lstStyle/>
-          <a:p>
-            <a:pPr algn="ctr"/>
-            <a:r>
-              <a:rPr lang="en-US" altLang="zh-CN" dirty="0"/>
-              <a:t>J10</a:t>
-            </a:r>
-            <a:endParaRPr lang="zh-CN" altLang="en-US" dirty="0"/>
-          </a:p>
-        </p:txBody>
-      </p:sp>
-      <p:sp>
-        <p:nvSpPr>
-          <p:cNvPr id="3" name="矩形 2">
-            <a:extLst>
-              <a:ext uri="{FF2B5EF4-FFF2-40B4-BE49-F238E27FC236}">
-                <a16:creationId xmlns:a16="http://schemas.microsoft.com/office/drawing/2014/main" id="{9529BD3E-DA22-4572-AC74-09C48D0232C4}"/>
-              </a:ext>
-            </a:extLst>
-          </p:cNvPr>
-          <p:cNvSpPr/>
-          <p:nvPr/>
-        </p:nvSpPr>
-        <p:spPr>
-          <a:xfrm>
-            <a:off x="2345516" y="4764293"/>
-            <a:ext cx="2880000" cy="309194"/>
-          </a:xfrm>
-          <a:prstGeom prst="rect">
-            <a:avLst/>
-          </a:prstGeom>
-        </p:spPr>
-        <p:style>
-          <a:lnRef idx="2">
-            <a:schemeClr val="accent1">
-              <a:shade val="50000"/>
-            </a:schemeClr>
-          </a:lnRef>
-          <a:fillRef idx="1">
-            <a:schemeClr val="accent1"/>
-          </a:fillRef>
-          <a:effectRef idx="0">
-            <a:schemeClr val="accent1"/>
-          </a:effectRef>
-          <a:fontRef idx="minor">
-            <a:schemeClr val="lt1"/>
-          </a:fontRef>
-        </p:style>
-        <p:txBody>
-          <a:bodyPr rtlCol="0" anchor="ctr"/>
-          <a:lstStyle/>
-          <a:p>
-            <a:pPr algn="ctr"/>
-            <a:r>
-              <a:rPr lang="en-US" altLang="zh-CN" dirty="0"/>
-              <a:t>J8</a:t>
-            </a:r>
-            <a:endParaRPr lang="zh-CN" altLang="en-US" dirty="0"/>
-          </a:p>
-        </p:txBody>
-      </p:sp>
-      <p:sp>
-        <p:nvSpPr>
-          <p:cNvPr id="39" name="矩形 38">
-            <a:extLst>
-              <a:ext uri="{FF2B5EF4-FFF2-40B4-BE49-F238E27FC236}">
-                <a16:creationId xmlns:a16="http://schemas.microsoft.com/office/drawing/2014/main" id="{D1451098-3943-40B4-B5E6-E927DD7A243C}"/>
-              </a:ext>
-            </a:extLst>
-          </p:cNvPr>
-          <p:cNvSpPr/>
-          <p:nvPr/>
-        </p:nvSpPr>
-        <p:spPr>
-          <a:xfrm>
-            <a:off x="2363267" y="4195634"/>
-            <a:ext cx="3240000" cy="309194"/>
-          </a:xfrm>
-          <a:prstGeom prst="rect">
-            <a:avLst/>
-          </a:prstGeom>
-        </p:spPr>
-        <p:style>
-          <a:lnRef idx="2">
-            <a:schemeClr val="accent1">
-              <a:shade val="50000"/>
-            </a:schemeClr>
-          </a:lnRef>
-          <a:fillRef idx="1">
-            <a:schemeClr val="accent1"/>
-          </a:fillRef>
-          <a:effectRef idx="0">
-            <a:schemeClr val="accent1"/>
-          </a:effectRef>
-          <a:fontRef idx="minor">
-            <a:schemeClr val="lt1"/>
-          </a:fontRef>
-        </p:style>
-        <p:txBody>
-          <a:bodyPr rtlCol="0" anchor="ctr"/>
-          <a:lstStyle/>
-          <a:p>
-            <a:pPr algn="ctr"/>
-            <a:r>
-              <a:rPr lang="en-US" altLang="zh-CN" dirty="0"/>
-              <a:t>J9</a:t>
-            </a:r>
-            <a:endParaRPr lang="zh-CN" altLang="en-US" dirty="0"/>
-          </a:p>
-        </p:txBody>
-      </p:sp>
-      <p:sp>
-        <p:nvSpPr>
-          <p:cNvPr id="6" name="矩形 5">
-            <a:extLst>
-              <a:ext uri="{FF2B5EF4-FFF2-40B4-BE49-F238E27FC236}">
-                <a16:creationId xmlns:a16="http://schemas.microsoft.com/office/drawing/2014/main" id="{3E8F2424-65DB-4AAF-BC1F-9CA43D3788E5}"/>
-              </a:ext>
-            </a:extLst>
-          </p:cNvPr>
-          <p:cNvSpPr/>
-          <p:nvPr/>
-        </p:nvSpPr>
-        <p:spPr>
-          <a:xfrm>
-            <a:off x="4171784" y="5338107"/>
-            <a:ext cx="1260000" cy="303001"/>
-          </a:xfrm>
-          <a:prstGeom prst="rect">
-            <a:avLst/>
-          </a:prstGeom>
-        </p:spPr>
-        <p:style>
-          <a:lnRef idx="2">
-            <a:schemeClr val="accent1">
-              <a:shade val="50000"/>
-            </a:schemeClr>
-          </a:lnRef>
-          <a:fillRef idx="1">
-            <a:schemeClr val="accent1"/>
-          </a:fillRef>
-          <a:effectRef idx="0">
-            <a:schemeClr val="accent1"/>
-          </a:effectRef>
-          <a:fontRef idx="minor">
-            <a:schemeClr val="lt1"/>
-          </a:fontRef>
-        </p:style>
-        <p:txBody>
-          <a:bodyPr rtlCol="0" anchor="ctr"/>
-          <a:lstStyle/>
-          <a:p>
-            <a:pPr algn="ctr"/>
-            <a:r>
-              <a:rPr lang="en-US" altLang="zh-CN" dirty="0"/>
-              <a:t>J7</a:t>
-            </a:r>
-            <a:endParaRPr lang="zh-CN" altLang="en-US" dirty="0"/>
-          </a:p>
-        </p:txBody>
-      </p:sp>
-      <p:sp>
-        <p:nvSpPr>
-          <p:cNvPr id="2" name="矩形 1">
-            <a:extLst>
-              <a:ext uri="{FF2B5EF4-FFF2-40B4-BE49-F238E27FC236}">
-                <a16:creationId xmlns:a16="http://schemas.microsoft.com/office/drawing/2014/main" id="{2C84ED76-203F-4B06-9C52-6CE391DFC240}"/>
-              </a:ext>
-            </a:extLst>
-          </p:cNvPr>
-          <p:cNvSpPr/>
-          <p:nvPr/>
-        </p:nvSpPr>
-        <p:spPr>
-          <a:xfrm>
-            <a:off x="5431784" y="5331914"/>
-            <a:ext cx="1080000" cy="303001"/>
-          </a:xfrm>
-          <a:prstGeom prst="rect">
-            <a:avLst/>
-          </a:prstGeom>
-        </p:spPr>
-        <p:style>
-          <a:lnRef idx="2">
-            <a:schemeClr val="accent1">
-              <a:shade val="50000"/>
-            </a:schemeClr>
-          </a:lnRef>
-          <a:fillRef idx="1">
-            <a:schemeClr val="accent1"/>
-          </a:fillRef>
-          <a:effectRef idx="0">
-            <a:schemeClr val="accent1"/>
-          </a:effectRef>
-          <a:fontRef idx="minor">
-            <a:schemeClr val="lt1"/>
-          </a:fontRef>
-        </p:style>
-        <p:txBody>
-          <a:bodyPr rtlCol="0" anchor="ctr"/>
-          <a:lstStyle/>
-          <a:p>
-            <a:pPr algn="ctr"/>
-            <a:r>
-              <a:rPr lang="en-US" altLang="zh-CN" dirty="0"/>
-              <a:t>J6</a:t>
-            </a:r>
-          </a:p>
-        </p:txBody>
-      </p:sp>
-      <p:sp>
-        <p:nvSpPr>
-          <p:cNvPr id="7" name="矩形 6">
-            <a:extLst>
-              <a:ext uri="{FF2B5EF4-FFF2-40B4-BE49-F238E27FC236}">
-                <a16:creationId xmlns:a16="http://schemas.microsoft.com/office/drawing/2014/main" id="{024DFEC6-CC34-4E7C-8FB8-FDF078DA90C0}"/>
-              </a:ext>
-            </a:extLst>
-          </p:cNvPr>
-          <p:cNvSpPr/>
-          <p:nvPr/>
-        </p:nvSpPr>
-        <p:spPr>
-          <a:xfrm>
-            <a:off x="5234389" y="4771106"/>
             <a:ext cx="1800000" cy="302381"/>
           </a:xfrm>
           <a:prstGeom prst="rect">
@@ -14339,7 +13051,7 @@
 </p:sld>
 </file>
 
-<file path=ppt/slides/slide18.xml><?xml version="1.0" encoding="utf-8"?>
+<file path=ppt/slides/slide17.xml><?xml version="1.0" encoding="utf-8"?>
 <p:sld xmlns:a="http://schemas.openxmlformats.org/drawingml/2006/main" xmlns:r="http://schemas.openxmlformats.org/officeDocument/2006/relationships" xmlns:p="http://schemas.openxmlformats.org/presentationml/2006/main">
   <p:cSld>
     <p:spTree>
@@ -14429,14 +13141,14 @@
                     <m:sSub>
                       <m:sSubPr>
                         <m:ctrlPr>
-                          <a:rPr lang="en-US" altLang="zh-CN" i="1" smtClean="0">
+                          <a:rPr lang="en-US" altLang="zh-CN" i="1">
                             <a:latin typeface="Cambria Math" panose="02040503050406030204" pitchFamily="18" charset="0"/>
                           </a:rPr>
                         </m:ctrlPr>
                       </m:sSubPr>
                       <m:e>
                         <m:r>
-                          <a:rPr lang="en-US" altLang="zh-CN" b="0" i="1" smtClean="0">
+                          <a:rPr lang="en-US" altLang="zh-CN" i="1">
                             <a:latin typeface="Cambria Math" panose="02040503050406030204" pitchFamily="18" charset="0"/>
                           </a:rPr>
                           <m:t>𝑀</m:t>
@@ -14444,7 +13156,7 @@
                       </m:e>
                       <m:sub>
                         <m:r>
-                          <a:rPr lang="en-US" altLang="zh-CN" b="0" i="1" smtClean="0">
+                          <a:rPr lang="en-US" altLang="zh-CN" i="1">
                             <a:latin typeface="Cambria Math" panose="02040503050406030204" pitchFamily="18" charset="0"/>
                           </a:rPr>
                           <m:t>3</m:t>
@@ -14471,14 +13183,14 @@
                     <m:sSub>
                       <m:sSubPr>
                         <m:ctrlPr>
-                          <a:rPr lang="en-US" altLang="zh-CN" i="1" smtClean="0">
+                          <a:rPr lang="en-US" altLang="zh-CN" i="1">
                             <a:latin typeface="Cambria Math" panose="02040503050406030204" pitchFamily="18" charset="0"/>
                           </a:rPr>
                         </m:ctrlPr>
                       </m:sSubPr>
                       <m:e>
                         <m:r>
-                          <a:rPr lang="en-US" altLang="zh-CN" b="0" i="1" smtClean="0">
+                          <a:rPr lang="en-US" altLang="zh-CN" i="1">
                             <a:latin typeface="Cambria Math" panose="02040503050406030204" pitchFamily="18" charset="0"/>
                           </a:rPr>
                           <m:t>𝑀</m:t>
@@ -14486,7 +13198,7 @@
                       </m:e>
                       <m:sub>
                         <m:r>
-                          <a:rPr lang="en-US" altLang="zh-CN" b="0" i="1" smtClean="0">
+                          <a:rPr lang="en-US" altLang="zh-CN" i="1">
                             <a:latin typeface="Cambria Math" panose="02040503050406030204" pitchFamily="18" charset="0"/>
                           </a:rPr>
                           <m:t>1</m:t>
@@ -14504,14 +13216,14 @@
                     <m:sSub>
                       <m:sSubPr>
                         <m:ctrlPr>
-                          <a:rPr lang="en-US" altLang="zh-CN" i="1" smtClean="0">
+                          <a:rPr lang="en-US" altLang="zh-CN" i="1">
                             <a:latin typeface="Cambria Math" panose="02040503050406030204" pitchFamily="18" charset="0"/>
                           </a:rPr>
                         </m:ctrlPr>
                       </m:sSubPr>
                       <m:e>
                         <m:r>
-                          <a:rPr lang="en-US" altLang="zh-CN" b="0" i="1" smtClean="0">
+                          <a:rPr lang="en-US" altLang="zh-CN" i="1">
                             <a:latin typeface="Cambria Math" panose="02040503050406030204" pitchFamily="18" charset="0"/>
                           </a:rPr>
                           <m:t>𝑀</m:t>
@@ -14519,7 +13231,7 @@
                       </m:e>
                       <m:sub>
                         <m:r>
-                          <a:rPr lang="en-US" altLang="zh-CN" b="0" i="1" smtClean="0">
+                          <a:rPr lang="en-US" altLang="zh-CN" i="1">
                             <a:latin typeface="Cambria Math" panose="02040503050406030204" pitchFamily="18" charset="0"/>
                           </a:rPr>
                           <m:t>2</m:t>
@@ -14537,14 +13249,14 @@
                     <m:sSub>
                       <m:sSubPr>
                         <m:ctrlPr>
-                          <a:rPr lang="en-US" altLang="zh-CN" i="1" smtClean="0">
+                          <a:rPr lang="en-US" altLang="zh-CN" i="1">
                             <a:latin typeface="Cambria Math" panose="02040503050406030204" pitchFamily="18" charset="0"/>
                           </a:rPr>
                         </m:ctrlPr>
                       </m:sSubPr>
                       <m:e>
                         <m:r>
-                          <a:rPr lang="en-US" altLang="zh-CN" b="0" i="1" smtClean="0">
+                          <a:rPr lang="en-US" altLang="zh-CN" i="1">
                             <a:latin typeface="Cambria Math" panose="02040503050406030204" pitchFamily="18" charset="0"/>
                           </a:rPr>
                           <m:t>𝑀</m:t>
@@ -14552,7 +13264,7 @@
                       </m:e>
                       <m:sub>
                         <m:r>
-                          <a:rPr lang="en-US" altLang="zh-CN" b="0" i="1" smtClean="0">
+                          <a:rPr lang="en-US" altLang="zh-CN" i="1">
                             <a:latin typeface="Cambria Math" panose="02040503050406030204" pitchFamily="18" charset="0"/>
                           </a:rPr>
                           <m:t>3</m:t>
@@ -14561,7 +13273,7 @@
                     </m:sSub>
                   </m:oMath>
                 </a14:m>
-                <a:endParaRPr lang="en-US" altLang="zh-CN" b="0" dirty="0"/>
+                <a:endParaRPr lang="en-US" altLang="zh-CN" dirty="0"/>
               </a:p>
               <a:p>
                 <a:pPr marL="457200" lvl="1" indent="0">
@@ -14569,21 +13281,21 @@
                 </a:pPr>
                 <a:r>
                   <a:rPr lang="en-US" altLang="zh-CN" dirty="0"/>
-                  <a:t>Nine Jobs: </a:t>
+                  <a:t>Seven Jobs: </a:t>
                 </a:r>
                 <a14:m>
                   <m:oMath xmlns:m="http://schemas.openxmlformats.org/officeDocument/2006/math">
                     <m:sSub>
                       <m:sSubPr>
                         <m:ctrlPr>
-                          <a:rPr lang="en-US" altLang="zh-CN" i="1" smtClean="0">
+                          <a:rPr lang="en-US" altLang="zh-CN" i="1">
                             <a:latin typeface="Cambria Math" panose="02040503050406030204" pitchFamily="18" charset="0"/>
                           </a:rPr>
                         </m:ctrlPr>
                       </m:sSubPr>
                       <m:e>
                         <m:r>
-                          <a:rPr lang="en-US" altLang="zh-CN" b="0" i="1" smtClean="0">
+                          <a:rPr lang="en-US" altLang="zh-CN" i="1">
                             <a:latin typeface="Cambria Math" panose="02040503050406030204" pitchFamily="18" charset="0"/>
                           </a:rPr>
                           <m:t>𝐽</m:t>
@@ -14594,12 +13306,12 @@
                           <a:rPr lang="en-US" altLang="zh-CN" b="0" i="1" smtClean="0">
                             <a:latin typeface="Cambria Math" panose="02040503050406030204" pitchFamily="18" charset="0"/>
                           </a:rPr>
-                          <m:t>1</m:t>
+                          <m:t>4</m:t>
                         </m:r>
                       </m:sub>
                     </m:sSub>
                     <m:r>
-                      <a:rPr lang="en-US" altLang="zh-CN" b="0" i="0" smtClean="0">
+                      <a:rPr lang="en-US" altLang="zh-CN">
                         <a:latin typeface="Cambria Math" panose="02040503050406030204" pitchFamily="18" charset="0"/>
                       </a:rPr>
                       <m:t>,</m:t>
@@ -14607,14 +13319,14 @@
                     <m:sSub>
                       <m:sSubPr>
                         <m:ctrlPr>
-                          <a:rPr lang="en-US" altLang="zh-CN" i="1" smtClean="0">
+                          <a:rPr lang="en-US" altLang="zh-CN" i="1">
                             <a:latin typeface="Cambria Math" panose="02040503050406030204" pitchFamily="18" charset="0"/>
                           </a:rPr>
                         </m:ctrlPr>
                       </m:sSubPr>
                       <m:e>
                         <m:r>
-                          <a:rPr lang="en-US" altLang="zh-CN" b="0" i="1" smtClean="0">
+                          <a:rPr lang="en-US" altLang="zh-CN" i="1">
                             <a:latin typeface="Cambria Math" panose="02040503050406030204" pitchFamily="18" charset="0"/>
                           </a:rPr>
                           <m:t>𝐽</m:t>
@@ -14625,18 +13337,18 @@
                           <a:rPr lang="en-US" altLang="zh-CN" b="0" i="1" smtClean="0">
                             <a:latin typeface="Cambria Math" panose="02040503050406030204" pitchFamily="18" charset="0"/>
                           </a:rPr>
-                          <m:t>2</m:t>
+                          <m:t>5</m:t>
                         </m:r>
                       </m:sub>
                     </m:sSub>
                     <m:r>
-                      <a:rPr lang="en-US" altLang="zh-CN" b="0" i="1" smtClean="0">
+                      <a:rPr lang="en-US" altLang="zh-CN" i="1">
                         <a:latin typeface="Cambria Math" panose="02040503050406030204" pitchFamily="18" charset="0"/>
                       </a:rPr>
                       <m:t>,</m:t>
                     </m:r>
                     <m:r>
-                      <a:rPr lang="en-US" altLang="zh-CN" b="0" i="1" smtClean="0">
+                      <a:rPr lang="en-US" altLang="zh-CN" i="1">
                         <a:latin typeface="Cambria Math" panose="02040503050406030204" pitchFamily="18" charset="0"/>
                         <a:ea typeface="Cambria Math" panose="02040503050406030204" pitchFamily="18" charset="0"/>
                       </a:rPr>
@@ -14645,14 +13357,14 @@
                     <m:sSub>
                       <m:sSubPr>
                         <m:ctrlPr>
-                          <a:rPr lang="en-US" altLang="zh-CN" i="1" smtClean="0">
+                          <a:rPr lang="en-US" altLang="zh-CN" i="1">
                             <a:latin typeface="Cambria Math" panose="02040503050406030204" pitchFamily="18" charset="0"/>
                           </a:rPr>
                         </m:ctrlPr>
                       </m:sSubPr>
                       <m:e>
                         <m:r>
-                          <a:rPr lang="en-US" altLang="zh-CN" b="0" i="1" smtClean="0">
+                          <a:rPr lang="en-US" altLang="zh-CN" i="1">
                             <a:latin typeface="Cambria Math" panose="02040503050406030204" pitchFamily="18" charset="0"/>
                           </a:rPr>
                           <m:t>𝐽</m:t>
@@ -14663,13 +13375,13 @@
                           <a:rPr lang="en-US" altLang="zh-CN" b="0" i="1" smtClean="0">
                             <a:latin typeface="Cambria Math" panose="02040503050406030204" pitchFamily="18" charset="0"/>
                           </a:rPr>
-                          <m:t>9</m:t>
+                          <m:t>10</m:t>
                         </m:r>
                       </m:sub>
                     </m:sSub>
                   </m:oMath>
                 </a14:m>
-                <a:endParaRPr lang="en-US" altLang="zh-CN" b="0" dirty="0"/>
+                <a:endParaRPr lang="en-US" altLang="zh-CN" dirty="0"/>
               </a:p>
               <a:p>
                 <a:pPr marL="457200" lvl="1" indent="0">
@@ -14684,14 +13396,14 @@
                     <m:sSub>
                       <m:sSubPr>
                         <m:ctrlPr>
-                          <a:rPr lang="en-US" altLang="zh-CN" i="1" smtClean="0">
+                          <a:rPr lang="en-US" altLang="zh-CN" i="1">
                             <a:latin typeface="Cambria Math" panose="02040503050406030204" pitchFamily="18" charset="0"/>
                           </a:rPr>
                         </m:ctrlPr>
                       </m:sSubPr>
                       <m:e>
                         <m:r>
-                          <a:rPr lang="en-US" altLang="zh-CN" b="0" i="1" smtClean="0">
+                          <a:rPr lang="en-US" altLang="zh-CN" i="1">
                             <a:latin typeface="Cambria Math" panose="02040503050406030204" pitchFamily="18" charset="0"/>
                           </a:rPr>
                           <m:t>𝑡</m:t>
@@ -14699,7 +13411,7 @@
                       </m:e>
                       <m:sub>
                         <m:r>
-                          <a:rPr lang="en-US" altLang="zh-CN" b="0" i="1" smtClean="0">
+                          <a:rPr lang="en-US" altLang="zh-CN" i="1">
                             <a:latin typeface="Cambria Math" panose="02040503050406030204" pitchFamily="18" charset="0"/>
                           </a:rPr>
                           <m:t>𝑗</m:t>
@@ -14709,30 +13421,22 @@
                   </m:oMath>
                 </a14:m>
                 <a:r>
-                  <a:rPr lang="en-US" altLang="zh-CN" b="0" dirty="0"/>
-                  <a:t>):2,4,6,…,</a:t>
-                </a:r>
-                <a:r>
                   <a:rPr lang="en-US" altLang="zh-CN" dirty="0"/>
-                  <a:t>18</a:t>
-                </a:r>
-                <a:r>
-                  <a:rPr lang="en-US" altLang="zh-CN" b="0" dirty="0"/>
-                  <a:t> on </a:t>
+                  <a:t>):8,10,12…,20 on </a:t>
                 </a:r>
                 <a14:m>
                   <m:oMath xmlns:m="http://schemas.openxmlformats.org/officeDocument/2006/math">
                     <m:sSub>
                       <m:sSubPr>
                         <m:ctrlPr>
-                          <a:rPr lang="en-US" altLang="zh-CN" i="1" smtClean="0">
+                          <a:rPr lang="en-US" altLang="zh-CN" i="1">
                             <a:latin typeface="Cambria Math" panose="02040503050406030204" pitchFamily="18" charset="0"/>
                           </a:rPr>
                         </m:ctrlPr>
                       </m:sSubPr>
                       <m:e>
                         <m:r>
-                          <a:rPr lang="en-US" altLang="zh-CN" b="0" i="1" smtClean="0">
+                          <a:rPr lang="en-US" altLang="zh-CN" i="1">
                             <a:latin typeface="Cambria Math" panose="02040503050406030204" pitchFamily="18" charset="0"/>
                           </a:rPr>
                           <m:t>𝑀</m:t>
@@ -14740,7 +13444,7 @@
                       </m:e>
                       <m:sub>
                         <m:r>
-                          <a:rPr lang="en-US" altLang="zh-CN" b="0" i="1" smtClean="0">
+                          <a:rPr lang="en-US" altLang="zh-CN" i="1">
                             <a:latin typeface="Cambria Math" panose="02040503050406030204" pitchFamily="18" charset="0"/>
                           </a:rPr>
                           <m:t>1</m:t>
@@ -14751,7 +13455,7 @@
                       <m:rPr>
                         <m:sty m:val="p"/>
                       </m:rPr>
-                      <a:rPr lang="en-US" altLang="zh-CN" b="0" i="0" smtClean="0">
+                      <a:rPr lang="en-US" altLang="zh-CN">
                         <a:latin typeface="Cambria Math" panose="02040503050406030204" pitchFamily="18" charset="0"/>
                       </a:rPr>
                       <m:t>and</m:t>
@@ -14767,14 +13471,14 @@
                     <m:sSub>
                       <m:sSubPr>
                         <m:ctrlPr>
-                          <a:rPr lang="en-US" altLang="zh-CN" i="1" smtClean="0">
+                          <a:rPr lang="en-US" altLang="zh-CN" i="1">
                             <a:latin typeface="Cambria Math" panose="02040503050406030204" pitchFamily="18" charset="0"/>
                           </a:rPr>
                         </m:ctrlPr>
                       </m:sSubPr>
                       <m:e>
                         <m:r>
-                          <a:rPr lang="en-US" altLang="zh-CN" b="0" i="1" smtClean="0">
+                          <a:rPr lang="en-US" altLang="zh-CN" i="1">
                             <a:latin typeface="Cambria Math" panose="02040503050406030204" pitchFamily="18" charset="0"/>
                           </a:rPr>
                           <m:t>𝑀</m:t>
@@ -14782,7 +13486,7 @@
                       </m:e>
                       <m:sub>
                         <m:r>
-                          <a:rPr lang="en-US" altLang="zh-CN" b="0" i="1" smtClean="0">
+                          <a:rPr lang="en-US" altLang="zh-CN" i="1">
                             <a:latin typeface="Cambria Math" panose="02040503050406030204" pitchFamily="18" charset="0"/>
                           </a:rPr>
                           <m:t>2</m:t>
@@ -14791,7 +13495,7 @@
                     </m:sSub>
                   </m:oMath>
                 </a14:m>
-                <a:endParaRPr lang="en-US" altLang="zh-CN" b="0" dirty="0"/>
+                <a:endParaRPr lang="en-US" altLang="zh-CN" dirty="0"/>
               </a:p>
               <a:p>
                 <a:pPr marL="457200" lvl="1" indent="0">
@@ -14799,21 +13503,21 @@
                 </a:pPr>
                 <a:r>
                   <a:rPr lang="en-US" altLang="zh-CN" dirty="0"/>
-                  <a:t>			   1,2,3,…,9 on </a:t>
+                  <a:t>			   4,5,6,…,10 on </a:t>
                 </a:r>
                 <a14:m>
                   <m:oMath xmlns:m="http://schemas.openxmlformats.org/officeDocument/2006/math">
                     <m:sSub>
                       <m:sSubPr>
                         <m:ctrlPr>
-                          <a:rPr lang="en-US" altLang="zh-CN" i="1" smtClean="0">
+                          <a:rPr lang="en-US" altLang="zh-CN" i="1">
                             <a:latin typeface="Cambria Math" panose="02040503050406030204" pitchFamily="18" charset="0"/>
                           </a:rPr>
                         </m:ctrlPr>
                       </m:sSubPr>
                       <m:e>
                         <m:r>
-                          <a:rPr lang="en-US" altLang="zh-CN" b="0" i="1" smtClean="0">
+                          <a:rPr lang="en-US" altLang="zh-CN" i="1">
                             <a:latin typeface="Cambria Math" panose="02040503050406030204" pitchFamily="18" charset="0"/>
                           </a:rPr>
                           <m:t>𝑀</m:t>
@@ -14821,7 +13525,7 @@
                       </m:e>
                       <m:sub>
                         <m:r>
-                          <a:rPr lang="en-US" altLang="zh-CN" b="0" i="1" smtClean="0">
+                          <a:rPr lang="en-US" altLang="zh-CN" i="1">
                             <a:latin typeface="Cambria Math" panose="02040503050406030204" pitchFamily="18" charset="0"/>
                           </a:rPr>
                           <m:t>3</m:t>
@@ -14845,14 +13549,14 @@
                     <m:sSub>
                       <m:sSubPr>
                         <m:ctrlPr>
-                          <a:rPr lang="en-US" altLang="zh-CN" i="1" smtClean="0">
+                          <a:rPr lang="en-US" altLang="zh-CN" i="1">
                             <a:latin typeface="Cambria Math" panose="02040503050406030204" pitchFamily="18" charset="0"/>
                           </a:rPr>
                         </m:ctrlPr>
                       </m:sSubPr>
                       <m:e>
                         <m:r>
-                          <a:rPr lang="en-US" altLang="zh-CN" b="0" i="1" smtClean="0">
+                          <a:rPr lang="en-US" altLang="zh-CN" i="1">
                             <a:latin typeface="Cambria Math" panose="02040503050406030204" pitchFamily="18" charset="0"/>
                           </a:rPr>
                           <m:t>𝐽</m:t>
@@ -14863,12 +13567,12 @@
                           <a:rPr lang="en-US" altLang="zh-CN" b="0" i="1" smtClean="0">
                             <a:latin typeface="Cambria Math" panose="02040503050406030204" pitchFamily="18" charset="0"/>
                           </a:rPr>
-                          <m:t>9</m:t>
+                          <m:t>10</m:t>
                         </m:r>
                       </m:sub>
                     </m:sSub>
                     <m:r>
-                      <a:rPr lang="en-US" altLang="zh-CN" b="0" i="0" smtClean="0">
+                      <a:rPr lang="en-US" altLang="zh-CN">
                         <a:latin typeface="Cambria Math" panose="02040503050406030204" pitchFamily="18" charset="0"/>
                       </a:rPr>
                       <m:t>,</m:t>
@@ -14876,14 +13580,14 @@
                     <m:sSub>
                       <m:sSubPr>
                         <m:ctrlPr>
-                          <a:rPr lang="en-US" altLang="zh-CN" i="1" smtClean="0">
+                          <a:rPr lang="en-US" altLang="zh-CN" i="1">
                             <a:latin typeface="Cambria Math" panose="02040503050406030204" pitchFamily="18" charset="0"/>
                           </a:rPr>
                         </m:ctrlPr>
                       </m:sSubPr>
                       <m:e>
                         <m:r>
-                          <a:rPr lang="en-US" altLang="zh-CN" b="0" i="1" smtClean="0">
+                          <a:rPr lang="en-US" altLang="zh-CN" i="1">
                             <a:latin typeface="Cambria Math" panose="02040503050406030204" pitchFamily="18" charset="0"/>
                           </a:rPr>
                           <m:t>𝐽</m:t>
@@ -14894,18 +13598,18 @@
                           <a:rPr lang="en-US" altLang="zh-CN" b="0" i="1" smtClean="0">
                             <a:latin typeface="Cambria Math" panose="02040503050406030204" pitchFamily="18" charset="0"/>
                           </a:rPr>
-                          <m:t>8</m:t>
+                          <m:t>9</m:t>
                         </m:r>
                       </m:sub>
                     </m:sSub>
                     <m:r>
-                      <a:rPr lang="en-US" altLang="zh-CN" b="0" i="1" smtClean="0">
+                      <a:rPr lang="en-US" altLang="zh-CN" i="1">
                         <a:latin typeface="Cambria Math" panose="02040503050406030204" pitchFamily="18" charset="0"/>
                       </a:rPr>
                       <m:t>,</m:t>
                     </m:r>
                     <m:r>
-                      <a:rPr lang="en-US" altLang="zh-CN" b="0" i="1" smtClean="0">
+                      <a:rPr lang="en-US" altLang="zh-CN" i="1">
                         <a:latin typeface="Cambria Math" panose="02040503050406030204" pitchFamily="18" charset="0"/>
                         <a:ea typeface="Cambria Math" panose="02040503050406030204" pitchFamily="18" charset="0"/>
                       </a:rPr>
@@ -14914,14 +13618,14 @@
                     <m:sSub>
                       <m:sSubPr>
                         <m:ctrlPr>
-                          <a:rPr lang="en-US" altLang="zh-CN" i="1" smtClean="0">
+                          <a:rPr lang="en-US" altLang="zh-CN" i="1">
                             <a:latin typeface="Cambria Math" panose="02040503050406030204" pitchFamily="18" charset="0"/>
                           </a:rPr>
                         </m:ctrlPr>
                       </m:sSubPr>
                       <m:e>
                         <m:r>
-                          <a:rPr lang="en-US" altLang="zh-CN" b="0" i="1" smtClean="0">
+                          <a:rPr lang="en-US" altLang="zh-CN" i="1">
                             <a:latin typeface="Cambria Math" panose="02040503050406030204" pitchFamily="18" charset="0"/>
                           </a:rPr>
                           <m:t>𝐽</m:t>
@@ -14932,43 +13636,13 @@
                           <a:rPr lang="en-US" altLang="zh-CN" b="0" i="1" smtClean="0">
                             <a:latin typeface="Cambria Math" panose="02040503050406030204" pitchFamily="18" charset="0"/>
                           </a:rPr>
-                          <m:t>1</m:t>
+                          <m:t>4</m:t>
                         </m:r>
                       </m:sub>
                     </m:sSub>
                   </m:oMath>
                 </a14:m>
                 <a:endParaRPr lang="en-US" altLang="zh-CN" dirty="0"/>
-              </a:p>
-              <a:p>
-                <a:pPr marL="457200" lvl="1" indent="0">
-                  <a:buNone/>
-                </a:pPr>
-                <a:endParaRPr lang="en-US" altLang="zh-CN" dirty="0"/>
-              </a:p>
-              <a:p>
-                <a:pPr marL="457200" lvl="1" indent="0">
-                  <a:buNone/>
-                </a:pPr>
-                <a:endParaRPr lang="en-US" altLang="zh-CN" dirty="0"/>
-              </a:p>
-              <a:p>
-                <a:pPr marL="457200" lvl="1" indent="0">
-                  <a:buNone/>
-                </a:pPr>
-                <a:endParaRPr lang="en-US" altLang="zh-CN" dirty="0"/>
-              </a:p>
-              <a:p>
-                <a:pPr marL="457200" lvl="1" indent="0">
-                  <a:buNone/>
-                </a:pPr>
-                <a:endParaRPr lang="en-US" altLang="zh-CN" dirty="0"/>
-              </a:p>
-              <a:p>
-                <a:pPr marL="457200" lvl="1" indent="0">
-                  <a:buNone/>
-                </a:pPr>
-                <a:endParaRPr lang="en-US" altLang="zh-CN" b="0" dirty="0"/>
               </a:p>
             </p:txBody>
           </p:sp>
@@ -15196,7 +13870,7 @@
           <a:p>
             <a:r>
               <a:rPr lang="en-US" altLang="zh-CN" sz="2800" dirty="0"/>
-              <a:t>T1 = 26(30)</a:t>
+              <a:t>T1 = 26</a:t>
             </a:r>
             <a:endParaRPr lang="zh-CN" altLang="en-US" sz="2800" dirty="0"/>
           </a:p>
@@ -15232,7 +13906,7 @@
           <a:p>
             <a:r>
               <a:rPr lang="en-US" altLang="zh-CN" sz="2800" dirty="0"/>
-              <a:t>T2 = 26(30)</a:t>
+              <a:t>T2 = 26</a:t>
             </a:r>
             <a:endParaRPr lang="zh-CN" altLang="en-US" sz="2800" dirty="0"/>
           </a:p>
@@ -15268,7 +13942,7 @@
           <a:p>
             <a:r>
               <a:rPr lang="en-US" altLang="zh-CN" sz="2800" dirty="0"/>
-              <a:t>T3 = 28</a:t>
+              <a:t>T3 = 23(27)</a:t>
             </a:r>
             <a:endParaRPr lang="zh-CN" altLang="en-US" sz="2800" dirty="0"/>
           </a:p>
@@ -15318,7 +13992,7 @@
             <a:pPr algn="ctr"/>
             <a:r>
               <a:rPr lang="en-US" altLang="zh-CN" dirty="0"/>
-              <a:t>J9</a:t>
+              <a:t>J10</a:t>
             </a:r>
             <a:endParaRPr lang="zh-CN" altLang="en-US" dirty="0"/>
           </a:p>
@@ -15368,7 +14042,7 @@
             <a:pPr algn="ctr"/>
             <a:r>
               <a:rPr lang="en-US" altLang="zh-CN" dirty="0"/>
-              <a:t>J7</a:t>
+              <a:t>J8</a:t>
             </a:r>
             <a:endParaRPr lang="zh-CN" altLang="en-US" dirty="0"/>
           </a:p>
@@ -15418,7 +14092,7 @@
             <a:pPr algn="ctr"/>
             <a:r>
               <a:rPr lang="en-US" altLang="zh-CN" dirty="0"/>
-              <a:t>J8</a:t>
+              <a:t>J9</a:t>
             </a:r>
             <a:endParaRPr lang="zh-CN" altLang="en-US" dirty="0"/>
           </a:p>
@@ -15468,7 +14142,7 @@
             <a:pPr algn="ctr"/>
             <a:r>
               <a:rPr lang="en-US" altLang="zh-CN" dirty="0"/>
-              <a:t>J6</a:t>
+              <a:t>J7</a:t>
             </a:r>
             <a:endParaRPr lang="zh-CN" altLang="en-US" dirty="0"/>
           </a:p>
@@ -15518,7 +14192,7 @@
             <a:pPr algn="ctr"/>
             <a:r>
               <a:rPr lang="en-US" altLang="zh-CN" dirty="0"/>
-              <a:t>J5</a:t>
+              <a:t>J6</a:t>
             </a:r>
           </a:p>
         </p:txBody>
@@ -15567,7 +14241,7 @@
             <a:pPr algn="ctr"/>
             <a:r>
               <a:rPr lang="en-US" altLang="zh-CN" dirty="0"/>
-              <a:t>J4</a:t>
+              <a:t>J5</a:t>
             </a:r>
           </a:p>
         </p:txBody>
@@ -15616,115 +14290,17 @@
             <a:pPr algn="ctr"/>
             <a:r>
               <a:rPr lang="en-US" altLang="zh-CN" dirty="0"/>
-              <a:t>J3</a:t>
-            </a:r>
-          </a:p>
-        </p:txBody>
-      </p:sp>
-      <p:sp>
-        <p:nvSpPr>
-          <p:cNvPr id="10" name="矩形 9">
-            <a:extLst>
-              <a:ext uri="{FF2B5EF4-FFF2-40B4-BE49-F238E27FC236}">
-                <a16:creationId xmlns:a16="http://schemas.microsoft.com/office/drawing/2014/main" id="{FD5BB890-558F-4FBD-A0EE-0E84EB1547B8}"/>
-              </a:ext>
-            </a:extLst>
-          </p:cNvPr>
-          <p:cNvSpPr/>
-          <p:nvPr/>
-        </p:nvSpPr>
-        <p:spPr>
-          <a:xfrm>
-            <a:off x="6511784" y="5334599"/>
-            <a:ext cx="540000" cy="303001"/>
-          </a:xfrm>
-          <a:prstGeom prst="rect">
-            <a:avLst/>
-          </a:prstGeom>
-        </p:spPr>
-        <p:style>
-          <a:lnRef idx="2">
-            <a:schemeClr val="accent1">
-              <a:shade val="50000"/>
-            </a:schemeClr>
-          </a:lnRef>
-          <a:fillRef idx="1">
-            <a:schemeClr val="accent1"/>
-          </a:fillRef>
-          <a:effectRef idx="0">
-            <a:schemeClr val="accent1"/>
-          </a:effectRef>
-          <a:fontRef idx="minor">
-            <a:schemeClr val="lt1"/>
-          </a:fontRef>
-        </p:style>
-        <p:txBody>
-          <a:bodyPr rtlCol="0" anchor="ctr"/>
-          <a:lstStyle/>
-          <a:p>
-            <a:pPr algn="ctr"/>
-            <a:r>
-              <a:rPr lang="en-US" altLang="zh-CN" dirty="0"/>
-              <a:t>J2</a:t>
-            </a:r>
-          </a:p>
-        </p:txBody>
-      </p:sp>
-      <p:sp>
-        <p:nvSpPr>
-          <p:cNvPr id="9" name="矩形 8">
-            <a:extLst>
-              <a:ext uri="{FF2B5EF4-FFF2-40B4-BE49-F238E27FC236}">
-                <a16:creationId xmlns:a16="http://schemas.microsoft.com/office/drawing/2014/main" id="{9D599919-AE50-4AF3-8C84-71826A6FB9C4}"/>
-              </a:ext>
-            </a:extLst>
-          </p:cNvPr>
-          <p:cNvSpPr/>
-          <p:nvPr/>
-        </p:nvSpPr>
-        <p:spPr>
-          <a:xfrm>
-            <a:off x="7051784" y="5336182"/>
-            <a:ext cx="360000" cy="303001"/>
-          </a:xfrm>
-          <a:prstGeom prst="rect">
-            <a:avLst/>
-          </a:prstGeom>
-        </p:spPr>
-        <p:style>
-          <a:lnRef idx="2">
-            <a:schemeClr val="accent1">
-              <a:shade val="50000"/>
-            </a:schemeClr>
-          </a:lnRef>
-          <a:fillRef idx="1">
-            <a:schemeClr val="accent1"/>
-          </a:fillRef>
-          <a:effectRef idx="0">
-            <a:schemeClr val="accent1"/>
-          </a:effectRef>
-          <a:fontRef idx="minor">
-            <a:schemeClr val="lt1"/>
-          </a:fontRef>
-        </p:style>
-        <p:txBody>
-          <a:bodyPr rtlCol="0" anchor="ctr"/>
-          <a:lstStyle/>
-          <a:p>
-            <a:pPr algn="just"/>
-            <a:r>
-              <a:rPr lang="en-US" altLang="zh-CN" sz="1600" dirty="0"/>
-              <a:t>J1</a:t>
-            </a:r>
-          </a:p>
-        </p:txBody>
-      </p:sp>
-      <p:sp>
-        <p:nvSpPr>
-          <p:cNvPr id="12" name="文本框 11">
-            <a:extLst>
-              <a:ext uri="{FF2B5EF4-FFF2-40B4-BE49-F238E27FC236}">
-                <a16:creationId xmlns:a16="http://schemas.microsoft.com/office/drawing/2014/main" id="{397E6437-CBA2-404C-8731-308B8246FAA5}"/>
+              <a:t>J4</a:t>
+            </a:r>
+          </a:p>
+        </p:txBody>
+      </p:sp>
+      <p:sp>
+        <p:nvSpPr>
+          <p:cNvPr id="9" name="文本框 8">
+            <a:extLst>
+              <a:ext uri="{FF2B5EF4-FFF2-40B4-BE49-F238E27FC236}">
+                <a16:creationId xmlns:a16="http://schemas.microsoft.com/office/drawing/2014/main" id="{2E0AE20D-394E-45B7-AFF6-58A8F1FC2CAF}"/>
               </a:ext>
             </a:extLst>
           </p:cNvPr>
@@ -15757,10 +14333,10 @@
       </p:sp>
       <p:sp>
         <p:nvSpPr>
-          <p:cNvPr id="13" name="文本框 12">
-            <a:extLst>
-              <a:ext uri="{FF2B5EF4-FFF2-40B4-BE49-F238E27FC236}">
-                <a16:creationId xmlns:a16="http://schemas.microsoft.com/office/drawing/2014/main" id="{B2601878-3075-448B-BFDF-3C16F21070CD}"/>
+          <p:cNvPr id="10" name="文本框 9">
+            <a:extLst>
+              <a:ext uri="{FF2B5EF4-FFF2-40B4-BE49-F238E27FC236}">
+                <a16:creationId xmlns:a16="http://schemas.microsoft.com/office/drawing/2014/main" id="{1EEAD3B0-05F4-4D5B-9F03-F2D0AC08CB72}"/>
               </a:ext>
             </a:extLst>
           </p:cNvPr>
@@ -15789,7 +14365,7 @@
                   <a:srgbClr val="FF0000"/>
                 </a:solidFill>
               </a:rPr>
-              <a:t>T = 28</a:t>
+              <a:t>T = 26</a:t>
             </a:r>
             <a:endParaRPr lang="zh-CN" altLang="en-US" sz="2800" dirty="0">
               <a:solidFill>
@@ -15802,7 +14378,7 @@
     </p:spTree>
     <p:extLst>
       <p:ext uri="{BB962C8B-B14F-4D97-AF65-F5344CB8AC3E}">
-        <p14:creationId xmlns:p14="http://schemas.microsoft.com/office/powerpoint/2010/main" val="1664807778"/>
+        <p14:creationId xmlns:p14="http://schemas.microsoft.com/office/powerpoint/2010/main" val="3759638066"/>
       </p:ext>
     </p:extLst>
   </p:cSld>
@@ -15812,7 +14388,7 @@
 </p:sld>
 </file>
 
-<file path=ppt/slides/slide19.xml><?xml version="1.0" encoding="utf-8"?>
+<file path=ppt/slides/slide18.xml><?xml version="1.0" encoding="utf-8"?>
 <p:sld xmlns:a="http://schemas.openxmlformats.org/drawingml/2006/main" xmlns:r="http://schemas.openxmlformats.org/officeDocument/2006/relationships" xmlns:p="http://schemas.openxmlformats.org/presentationml/2006/main">
   <p:cSld>
     <p:spTree>
@@ -15944,14 +14520,14 @@
                     <m:sSub>
                       <m:sSubPr>
                         <m:ctrlPr>
-                          <a:rPr lang="en-US" altLang="zh-CN" i="1" smtClean="0">
+                          <a:rPr lang="en-US" altLang="zh-CN" i="1">
                             <a:latin typeface="Cambria Math" panose="02040503050406030204" pitchFamily="18" charset="0"/>
                           </a:rPr>
                         </m:ctrlPr>
                       </m:sSubPr>
                       <m:e>
                         <m:r>
-                          <a:rPr lang="en-US" altLang="zh-CN" b="0" i="1" smtClean="0">
+                          <a:rPr lang="en-US" altLang="zh-CN" i="1">
                             <a:latin typeface="Cambria Math" panose="02040503050406030204" pitchFamily="18" charset="0"/>
                           </a:rPr>
                           <m:t>𝑀</m:t>
@@ -15959,7 +14535,7 @@
                       </m:e>
                       <m:sub>
                         <m:r>
-                          <a:rPr lang="en-US" altLang="zh-CN" b="0" i="1" smtClean="0">
+                          <a:rPr lang="en-US" altLang="zh-CN" i="1">
                             <a:latin typeface="Cambria Math" panose="02040503050406030204" pitchFamily="18" charset="0"/>
                           </a:rPr>
                           <m:t>1</m:t>
@@ -15977,14 +14553,14 @@
                     <m:sSub>
                       <m:sSubPr>
                         <m:ctrlPr>
-                          <a:rPr lang="en-US" altLang="zh-CN" i="1" smtClean="0">
+                          <a:rPr lang="en-US" altLang="zh-CN" i="1">
                             <a:latin typeface="Cambria Math" panose="02040503050406030204" pitchFamily="18" charset="0"/>
                           </a:rPr>
                         </m:ctrlPr>
                       </m:sSubPr>
                       <m:e>
                         <m:r>
-                          <a:rPr lang="en-US" altLang="zh-CN" b="0" i="1" smtClean="0">
+                          <a:rPr lang="en-US" altLang="zh-CN" i="1">
                             <a:latin typeface="Cambria Math" panose="02040503050406030204" pitchFamily="18" charset="0"/>
                           </a:rPr>
                           <m:t>𝑀</m:t>
@@ -15992,7 +14568,7 @@
                       </m:e>
                       <m:sub>
                         <m:r>
-                          <a:rPr lang="en-US" altLang="zh-CN" b="0" i="1" smtClean="0">
+                          <a:rPr lang="en-US" altLang="zh-CN" i="1">
                             <a:latin typeface="Cambria Math" panose="02040503050406030204" pitchFamily="18" charset="0"/>
                           </a:rPr>
                           <m:t>2</m:t>
@@ -16010,14 +14586,14 @@
                     <m:sSub>
                       <m:sSubPr>
                         <m:ctrlPr>
-                          <a:rPr lang="en-US" altLang="zh-CN" i="1" smtClean="0">
+                          <a:rPr lang="en-US" altLang="zh-CN" i="1">
                             <a:latin typeface="Cambria Math" panose="02040503050406030204" pitchFamily="18" charset="0"/>
                           </a:rPr>
                         </m:ctrlPr>
                       </m:sSubPr>
                       <m:e>
                         <m:r>
-                          <a:rPr lang="en-US" altLang="zh-CN" b="0" i="1" smtClean="0">
+                          <a:rPr lang="en-US" altLang="zh-CN" i="1">
                             <a:latin typeface="Cambria Math" panose="02040503050406030204" pitchFamily="18" charset="0"/>
                           </a:rPr>
                           <m:t>𝑀</m:t>
@@ -16025,7 +14601,7 @@
                       </m:e>
                       <m:sub>
                         <m:r>
-                          <a:rPr lang="en-US" altLang="zh-CN" b="0" i="1" smtClean="0">
+                          <a:rPr lang="en-US" altLang="zh-CN" i="1">
                             <a:latin typeface="Cambria Math" panose="02040503050406030204" pitchFamily="18" charset="0"/>
                           </a:rPr>
                           <m:t>3</m:t>
@@ -16034,7 +14610,7 @@
                     </m:sSub>
                   </m:oMath>
                 </a14:m>
-                <a:endParaRPr lang="en-US" altLang="zh-CN" b="0" dirty="0"/>
+                <a:endParaRPr lang="en-US" altLang="zh-CN" dirty="0"/>
               </a:p>
               <a:p>
                 <a:pPr marL="457200" lvl="1" indent="0">
@@ -16042,21 +14618,21 @@
                 </a:pPr>
                 <a:r>
                   <a:rPr lang="en-US" altLang="zh-CN" dirty="0"/>
-                  <a:t>Nine Jobs: </a:t>
+                  <a:t>Seven Jobs: </a:t>
                 </a:r>
                 <a14:m>
                   <m:oMath xmlns:m="http://schemas.openxmlformats.org/officeDocument/2006/math">
                     <m:sSub>
                       <m:sSubPr>
                         <m:ctrlPr>
-                          <a:rPr lang="en-US" altLang="zh-CN" i="1" smtClean="0">
+                          <a:rPr lang="en-US" altLang="zh-CN" i="1">
                             <a:latin typeface="Cambria Math" panose="02040503050406030204" pitchFamily="18" charset="0"/>
                           </a:rPr>
                         </m:ctrlPr>
                       </m:sSubPr>
                       <m:e>
                         <m:r>
-                          <a:rPr lang="en-US" altLang="zh-CN" b="0" i="1" smtClean="0">
+                          <a:rPr lang="en-US" altLang="zh-CN" i="1">
                             <a:latin typeface="Cambria Math" panose="02040503050406030204" pitchFamily="18" charset="0"/>
                           </a:rPr>
                           <m:t>𝐽</m:t>
@@ -16064,15 +14640,15 @@
                       </m:e>
                       <m:sub>
                         <m:r>
-                          <a:rPr lang="en-US" altLang="zh-CN" b="0" i="1" smtClean="0">
-                            <a:latin typeface="Cambria Math" panose="02040503050406030204" pitchFamily="18" charset="0"/>
-                          </a:rPr>
-                          <m:t>1</m:t>
+                          <a:rPr lang="en-US" altLang="zh-CN" i="1">
+                            <a:latin typeface="Cambria Math" panose="02040503050406030204" pitchFamily="18" charset="0"/>
+                          </a:rPr>
+                          <m:t>4</m:t>
                         </m:r>
                       </m:sub>
                     </m:sSub>
                     <m:r>
-                      <a:rPr lang="en-US" altLang="zh-CN" b="0" i="0" smtClean="0">
+                      <a:rPr lang="en-US" altLang="zh-CN">
                         <a:latin typeface="Cambria Math" panose="02040503050406030204" pitchFamily="18" charset="0"/>
                       </a:rPr>
                       <m:t>,</m:t>
@@ -16080,14 +14656,14 @@
                     <m:sSub>
                       <m:sSubPr>
                         <m:ctrlPr>
-                          <a:rPr lang="en-US" altLang="zh-CN" i="1" smtClean="0">
+                          <a:rPr lang="en-US" altLang="zh-CN" i="1">
                             <a:latin typeface="Cambria Math" panose="02040503050406030204" pitchFamily="18" charset="0"/>
                           </a:rPr>
                         </m:ctrlPr>
                       </m:sSubPr>
                       <m:e>
                         <m:r>
-                          <a:rPr lang="en-US" altLang="zh-CN" b="0" i="1" smtClean="0">
+                          <a:rPr lang="en-US" altLang="zh-CN" i="1">
                             <a:latin typeface="Cambria Math" panose="02040503050406030204" pitchFamily="18" charset="0"/>
                           </a:rPr>
                           <m:t>𝐽</m:t>
@@ -16095,21 +14671,21 @@
                       </m:e>
                       <m:sub>
                         <m:r>
-                          <a:rPr lang="en-US" altLang="zh-CN" b="0" i="1" smtClean="0">
-                            <a:latin typeface="Cambria Math" panose="02040503050406030204" pitchFamily="18" charset="0"/>
-                          </a:rPr>
-                          <m:t>2</m:t>
+                          <a:rPr lang="en-US" altLang="zh-CN" i="1">
+                            <a:latin typeface="Cambria Math" panose="02040503050406030204" pitchFamily="18" charset="0"/>
+                          </a:rPr>
+                          <m:t>5</m:t>
                         </m:r>
                       </m:sub>
                     </m:sSub>
                     <m:r>
-                      <a:rPr lang="en-US" altLang="zh-CN" b="0" i="1" smtClean="0">
+                      <a:rPr lang="en-US" altLang="zh-CN" i="1">
                         <a:latin typeface="Cambria Math" panose="02040503050406030204" pitchFamily="18" charset="0"/>
                       </a:rPr>
                       <m:t>,</m:t>
                     </m:r>
                     <m:r>
-                      <a:rPr lang="en-US" altLang="zh-CN" b="0" i="1" smtClean="0">
+                      <a:rPr lang="en-US" altLang="zh-CN" i="1">
                         <a:latin typeface="Cambria Math" panose="02040503050406030204" pitchFamily="18" charset="0"/>
                         <a:ea typeface="Cambria Math" panose="02040503050406030204" pitchFamily="18" charset="0"/>
                       </a:rPr>
@@ -16118,14 +14694,14 @@
                     <m:sSub>
                       <m:sSubPr>
                         <m:ctrlPr>
-                          <a:rPr lang="en-US" altLang="zh-CN" i="1" smtClean="0">
+                          <a:rPr lang="en-US" altLang="zh-CN" i="1">
                             <a:latin typeface="Cambria Math" panose="02040503050406030204" pitchFamily="18" charset="0"/>
                           </a:rPr>
                         </m:ctrlPr>
                       </m:sSubPr>
                       <m:e>
                         <m:r>
-                          <a:rPr lang="en-US" altLang="zh-CN" b="0" i="1" smtClean="0">
+                          <a:rPr lang="en-US" altLang="zh-CN" i="1">
                             <a:latin typeface="Cambria Math" panose="02040503050406030204" pitchFamily="18" charset="0"/>
                           </a:rPr>
                           <m:t>𝐽</m:t>
@@ -16133,16 +14709,16 @@
                       </m:e>
                       <m:sub>
                         <m:r>
-                          <a:rPr lang="en-US" altLang="zh-CN" b="0" i="1" smtClean="0">
-                            <a:latin typeface="Cambria Math" panose="02040503050406030204" pitchFamily="18" charset="0"/>
-                          </a:rPr>
-                          <m:t>9</m:t>
+                          <a:rPr lang="en-US" altLang="zh-CN" i="1">
+                            <a:latin typeface="Cambria Math" panose="02040503050406030204" pitchFamily="18" charset="0"/>
+                          </a:rPr>
+                          <m:t>10</m:t>
                         </m:r>
                       </m:sub>
                     </m:sSub>
                   </m:oMath>
                 </a14:m>
-                <a:endParaRPr lang="en-US" altLang="zh-CN" b="0" dirty="0"/>
+                <a:endParaRPr lang="en-US" altLang="zh-CN" dirty="0"/>
               </a:p>
               <a:p>
                 <a:pPr marL="457200" lvl="1" indent="0">
@@ -16157,14 +14733,14 @@
                     <m:sSub>
                       <m:sSubPr>
                         <m:ctrlPr>
-                          <a:rPr lang="en-US" altLang="zh-CN" i="1" smtClean="0">
+                          <a:rPr lang="en-US" altLang="zh-CN" i="1">
                             <a:latin typeface="Cambria Math" panose="02040503050406030204" pitchFamily="18" charset="0"/>
                           </a:rPr>
                         </m:ctrlPr>
                       </m:sSubPr>
                       <m:e>
                         <m:r>
-                          <a:rPr lang="en-US" altLang="zh-CN" b="0" i="1" smtClean="0">
+                          <a:rPr lang="en-US" altLang="zh-CN" i="1">
                             <a:latin typeface="Cambria Math" panose="02040503050406030204" pitchFamily="18" charset="0"/>
                           </a:rPr>
                           <m:t>𝑡</m:t>
@@ -16172,7 +14748,7 @@
                       </m:e>
                       <m:sub>
                         <m:r>
-                          <a:rPr lang="en-US" altLang="zh-CN" b="0" i="1" smtClean="0">
+                          <a:rPr lang="en-US" altLang="zh-CN" i="1">
                             <a:latin typeface="Cambria Math" panose="02040503050406030204" pitchFamily="18" charset="0"/>
                           </a:rPr>
                           <m:t>𝑗</m:t>
@@ -16182,30 +14758,22 @@
                   </m:oMath>
                 </a14:m>
                 <a:r>
-                  <a:rPr lang="en-US" altLang="zh-CN" b="0" dirty="0"/>
-                  <a:t>):2,4,6,…,</a:t>
-                </a:r>
-                <a:r>
                   <a:rPr lang="en-US" altLang="zh-CN" dirty="0"/>
-                  <a:t>18</a:t>
-                </a:r>
-                <a:r>
-                  <a:rPr lang="en-US" altLang="zh-CN" b="0" dirty="0"/>
-                  <a:t> on </a:t>
+                  <a:t>):8,10,12…,20 on </a:t>
                 </a:r>
                 <a14:m>
                   <m:oMath xmlns:m="http://schemas.openxmlformats.org/officeDocument/2006/math">
                     <m:sSub>
                       <m:sSubPr>
                         <m:ctrlPr>
-                          <a:rPr lang="en-US" altLang="zh-CN" i="1" smtClean="0">
+                          <a:rPr lang="en-US" altLang="zh-CN" i="1">
                             <a:latin typeface="Cambria Math" panose="02040503050406030204" pitchFamily="18" charset="0"/>
                           </a:rPr>
                         </m:ctrlPr>
                       </m:sSubPr>
                       <m:e>
                         <m:r>
-                          <a:rPr lang="en-US" altLang="zh-CN" b="0" i="1" smtClean="0">
+                          <a:rPr lang="en-US" altLang="zh-CN" i="1">
                             <a:latin typeface="Cambria Math" panose="02040503050406030204" pitchFamily="18" charset="0"/>
                           </a:rPr>
                           <m:t>𝑀</m:t>
@@ -16213,7 +14781,7 @@
                       </m:e>
                       <m:sub>
                         <m:r>
-                          <a:rPr lang="en-US" altLang="zh-CN" b="0" i="1" smtClean="0">
+                          <a:rPr lang="en-US" altLang="zh-CN" i="1">
                             <a:latin typeface="Cambria Math" panose="02040503050406030204" pitchFamily="18" charset="0"/>
                           </a:rPr>
                           <m:t>1</m:t>
@@ -16224,7 +14792,7 @@
                       <m:rPr>
                         <m:sty m:val="p"/>
                       </m:rPr>
-                      <a:rPr lang="en-US" altLang="zh-CN" b="0" i="0" smtClean="0">
+                      <a:rPr lang="en-US" altLang="zh-CN">
                         <a:latin typeface="Cambria Math" panose="02040503050406030204" pitchFamily="18" charset="0"/>
                       </a:rPr>
                       <m:t>and</m:t>
@@ -16240,14 +14808,14 @@
                     <m:sSub>
                       <m:sSubPr>
                         <m:ctrlPr>
-                          <a:rPr lang="en-US" altLang="zh-CN" i="1" smtClean="0">
+                          <a:rPr lang="en-US" altLang="zh-CN" i="1">
                             <a:latin typeface="Cambria Math" panose="02040503050406030204" pitchFamily="18" charset="0"/>
                           </a:rPr>
                         </m:ctrlPr>
                       </m:sSubPr>
                       <m:e>
                         <m:r>
-                          <a:rPr lang="en-US" altLang="zh-CN" b="0" i="1" smtClean="0">
+                          <a:rPr lang="en-US" altLang="zh-CN" i="1">
                             <a:latin typeface="Cambria Math" panose="02040503050406030204" pitchFamily="18" charset="0"/>
                           </a:rPr>
                           <m:t>𝑀</m:t>
@@ -16255,7 +14823,7 @@
                       </m:e>
                       <m:sub>
                         <m:r>
-                          <a:rPr lang="en-US" altLang="zh-CN" b="0" i="1" smtClean="0">
+                          <a:rPr lang="en-US" altLang="zh-CN" i="1">
                             <a:latin typeface="Cambria Math" panose="02040503050406030204" pitchFamily="18" charset="0"/>
                           </a:rPr>
                           <m:t>2</m:t>
@@ -16264,7 +14832,7 @@
                     </m:sSub>
                   </m:oMath>
                 </a14:m>
-                <a:endParaRPr lang="en-US" altLang="zh-CN" b="0" dirty="0"/>
+                <a:endParaRPr lang="en-US" altLang="zh-CN" dirty="0"/>
               </a:p>
               <a:p>
                 <a:pPr marL="457200" lvl="1" indent="0">
@@ -16272,21 +14840,21 @@
                 </a:pPr>
                 <a:r>
                   <a:rPr lang="en-US" altLang="zh-CN" dirty="0"/>
-                  <a:t>			   1,2,3,…,9 on </a:t>
+                  <a:t>			   4,5,6,…,10 on </a:t>
                 </a:r>
                 <a14:m>
                   <m:oMath xmlns:m="http://schemas.openxmlformats.org/officeDocument/2006/math">
                     <m:sSub>
                       <m:sSubPr>
                         <m:ctrlPr>
-                          <a:rPr lang="en-US" altLang="zh-CN" i="1" smtClean="0">
+                          <a:rPr lang="en-US" altLang="zh-CN" i="1">
                             <a:latin typeface="Cambria Math" panose="02040503050406030204" pitchFamily="18" charset="0"/>
                           </a:rPr>
                         </m:ctrlPr>
                       </m:sSubPr>
                       <m:e>
                         <m:r>
-                          <a:rPr lang="en-US" altLang="zh-CN" b="0" i="1" smtClean="0">
+                          <a:rPr lang="en-US" altLang="zh-CN" i="1">
                             <a:latin typeface="Cambria Math" panose="02040503050406030204" pitchFamily="18" charset="0"/>
                           </a:rPr>
                           <m:t>𝑀</m:t>
@@ -16294,7 +14862,7 @@
                       </m:e>
                       <m:sub>
                         <m:r>
-                          <a:rPr lang="en-US" altLang="zh-CN" b="0" i="1" smtClean="0">
+                          <a:rPr lang="en-US" altLang="zh-CN" i="1">
                             <a:latin typeface="Cambria Math" panose="02040503050406030204" pitchFamily="18" charset="0"/>
                           </a:rPr>
                           <m:t>3</m:t>
@@ -16318,14 +14886,14 @@
                     <m:sSub>
                       <m:sSubPr>
                         <m:ctrlPr>
-                          <a:rPr lang="en-US" altLang="zh-CN" i="1" smtClean="0">
+                          <a:rPr lang="en-US" altLang="zh-CN" i="1">
                             <a:latin typeface="Cambria Math" panose="02040503050406030204" pitchFamily="18" charset="0"/>
                           </a:rPr>
                         </m:ctrlPr>
                       </m:sSubPr>
                       <m:e>
                         <m:r>
-                          <a:rPr lang="en-US" altLang="zh-CN" b="0" i="1" smtClean="0">
+                          <a:rPr lang="en-US" altLang="zh-CN" i="1">
                             <a:latin typeface="Cambria Math" panose="02040503050406030204" pitchFamily="18" charset="0"/>
                           </a:rPr>
                           <m:t>𝐽</m:t>
@@ -16333,15 +14901,15 @@
                       </m:e>
                       <m:sub>
                         <m:r>
-                          <a:rPr lang="en-US" altLang="zh-CN" b="0" i="1" smtClean="0">
-                            <a:latin typeface="Cambria Math" panose="02040503050406030204" pitchFamily="18" charset="0"/>
-                          </a:rPr>
-                          <m:t>9</m:t>
+                          <a:rPr lang="en-US" altLang="zh-CN" i="1">
+                            <a:latin typeface="Cambria Math" panose="02040503050406030204" pitchFamily="18" charset="0"/>
+                          </a:rPr>
+                          <m:t>10</m:t>
                         </m:r>
                       </m:sub>
                     </m:sSub>
                     <m:r>
-                      <a:rPr lang="en-US" altLang="zh-CN" b="0" i="0" smtClean="0">
+                      <a:rPr lang="en-US" altLang="zh-CN">
                         <a:latin typeface="Cambria Math" panose="02040503050406030204" pitchFamily="18" charset="0"/>
                       </a:rPr>
                       <m:t>,</m:t>
@@ -16349,14 +14917,14 @@
                     <m:sSub>
                       <m:sSubPr>
                         <m:ctrlPr>
-                          <a:rPr lang="en-US" altLang="zh-CN" i="1" smtClean="0">
+                          <a:rPr lang="en-US" altLang="zh-CN" i="1">
                             <a:latin typeface="Cambria Math" panose="02040503050406030204" pitchFamily="18" charset="0"/>
                           </a:rPr>
                         </m:ctrlPr>
                       </m:sSubPr>
                       <m:e>
                         <m:r>
-                          <a:rPr lang="en-US" altLang="zh-CN" b="0" i="1" smtClean="0">
+                          <a:rPr lang="en-US" altLang="zh-CN" i="1">
                             <a:latin typeface="Cambria Math" panose="02040503050406030204" pitchFamily="18" charset="0"/>
                           </a:rPr>
                           <m:t>𝐽</m:t>
@@ -16364,21 +14932,21 @@
                       </m:e>
                       <m:sub>
                         <m:r>
-                          <a:rPr lang="en-US" altLang="zh-CN" b="0" i="1" smtClean="0">
-                            <a:latin typeface="Cambria Math" panose="02040503050406030204" pitchFamily="18" charset="0"/>
-                          </a:rPr>
-                          <m:t>8</m:t>
+                          <a:rPr lang="en-US" altLang="zh-CN" i="1">
+                            <a:latin typeface="Cambria Math" panose="02040503050406030204" pitchFamily="18" charset="0"/>
+                          </a:rPr>
+                          <m:t>9</m:t>
                         </m:r>
                       </m:sub>
                     </m:sSub>
                     <m:r>
-                      <a:rPr lang="en-US" altLang="zh-CN" b="0" i="1" smtClean="0">
+                      <a:rPr lang="en-US" altLang="zh-CN" i="1">
                         <a:latin typeface="Cambria Math" panose="02040503050406030204" pitchFamily="18" charset="0"/>
                       </a:rPr>
                       <m:t>,</m:t>
                     </m:r>
                     <m:r>
-                      <a:rPr lang="en-US" altLang="zh-CN" b="0" i="1" smtClean="0">
+                      <a:rPr lang="en-US" altLang="zh-CN" i="1">
                         <a:latin typeface="Cambria Math" panose="02040503050406030204" pitchFamily="18" charset="0"/>
                         <a:ea typeface="Cambria Math" panose="02040503050406030204" pitchFamily="18" charset="0"/>
                       </a:rPr>
@@ -16387,14 +14955,14 @@
                     <m:sSub>
                       <m:sSubPr>
                         <m:ctrlPr>
-                          <a:rPr lang="en-US" altLang="zh-CN" i="1" smtClean="0">
+                          <a:rPr lang="en-US" altLang="zh-CN" i="1">
                             <a:latin typeface="Cambria Math" panose="02040503050406030204" pitchFamily="18" charset="0"/>
                           </a:rPr>
                         </m:ctrlPr>
                       </m:sSubPr>
                       <m:e>
                         <m:r>
-                          <a:rPr lang="en-US" altLang="zh-CN" b="0" i="1" smtClean="0">
+                          <a:rPr lang="en-US" altLang="zh-CN" i="1">
                             <a:latin typeface="Cambria Math" panose="02040503050406030204" pitchFamily="18" charset="0"/>
                           </a:rPr>
                           <m:t>𝐽</m:t>
@@ -16402,15 +14970,21 @@
                       </m:e>
                       <m:sub>
                         <m:r>
-                          <a:rPr lang="en-US" altLang="zh-CN" b="0" i="1" smtClean="0">
-                            <a:latin typeface="Cambria Math" panose="02040503050406030204" pitchFamily="18" charset="0"/>
-                          </a:rPr>
-                          <m:t>1</m:t>
+                          <a:rPr lang="en-US" altLang="zh-CN" i="1">
+                            <a:latin typeface="Cambria Math" panose="02040503050406030204" pitchFamily="18" charset="0"/>
+                          </a:rPr>
+                          <m:t>4</m:t>
                         </m:r>
                       </m:sub>
                     </m:sSub>
                   </m:oMath>
                 </a14:m>
+                <a:endParaRPr lang="en-US" altLang="zh-CN" dirty="0"/>
+              </a:p>
+              <a:p>
+                <a:pPr marL="457200" lvl="1" indent="0">
+                  <a:buNone/>
+                </a:pPr>
                 <a:endParaRPr lang="en-US" altLang="zh-CN" dirty="0"/>
               </a:p>
               <a:p>
@@ -16669,7 +15243,7 @@
           <a:p>
             <a:r>
               <a:rPr lang="en-US" altLang="zh-CN" sz="2800" dirty="0"/>
-              <a:t>T1 = 22</a:t>
+              <a:t>T1 = 24</a:t>
             </a:r>
             <a:endParaRPr lang="zh-CN" altLang="en-US" sz="2800" dirty="0"/>
           </a:p>
@@ -16705,7 +15279,7 @@
           <a:p>
             <a:r>
               <a:rPr lang="en-US" altLang="zh-CN" sz="2800" dirty="0"/>
-              <a:t>T2 = 22</a:t>
+              <a:t>T2 = 24</a:t>
             </a:r>
             <a:endParaRPr lang="zh-CN" altLang="en-US" sz="2800" dirty="0"/>
           </a:p>
@@ -16741,7 +15315,7 @@
           <a:p>
             <a:r>
               <a:rPr lang="en-US" altLang="zh-CN" sz="2800" dirty="0"/>
-              <a:t>T3 = 23</a:t>
+              <a:t>T3 = 25</a:t>
             </a:r>
             <a:endParaRPr lang="zh-CN" altLang="en-US" sz="2800" dirty="0"/>
           </a:p>
@@ -16761,8 +15335,8 @@
         </p:nvSpPr>
         <p:spPr>
           <a:xfrm>
-            <a:off x="2363267" y="5331914"/>
-            <a:ext cx="1440000" cy="309194"/>
+            <a:off x="4174429" y="5337624"/>
+            <a:ext cx="1620000" cy="309194"/>
           </a:xfrm>
           <a:prstGeom prst="rect">
             <a:avLst/>
@@ -16791,7 +15365,7 @@
             <a:pPr algn="ctr"/>
             <a:r>
               <a:rPr lang="en-US" altLang="zh-CN" dirty="0"/>
-              <a:t>J8</a:t>
+              <a:t>J9</a:t>
             </a:r>
             <a:endParaRPr lang="zh-CN" altLang="en-US" dirty="0"/>
           </a:p>
@@ -16812,7 +15386,7 @@
         <p:spPr>
           <a:xfrm>
             <a:off x="2363272" y="4764293"/>
-            <a:ext cx="3240000" cy="309194"/>
+            <a:ext cx="2880000" cy="309194"/>
           </a:xfrm>
           <a:prstGeom prst="rect">
             <a:avLst/>
@@ -16841,7 +15415,7 @@
             <a:pPr algn="ctr"/>
             <a:r>
               <a:rPr lang="en-US" altLang="zh-CN" dirty="0"/>
-              <a:t>J9</a:t>
+              <a:t>J8</a:t>
             </a:r>
             <a:endParaRPr lang="zh-CN" altLang="en-US" dirty="0"/>
           </a:p>
@@ -16862,7 +15436,7 @@
         <p:spPr>
           <a:xfrm>
             <a:off x="2363267" y="4195634"/>
-            <a:ext cx="2160000" cy="309194"/>
+            <a:ext cx="2520000" cy="309194"/>
           </a:xfrm>
           <a:prstGeom prst="rect">
             <a:avLst/>
@@ -16891,18 +15465,17 @@
             <a:pPr algn="ctr"/>
             <a:r>
               <a:rPr lang="en-US" altLang="zh-CN" dirty="0"/>
-              <a:t>J6</a:t>
-            </a:r>
-            <a:endParaRPr lang="zh-CN" altLang="en-US" dirty="0"/>
-          </a:p>
-        </p:txBody>
-      </p:sp>
-      <p:sp>
-        <p:nvSpPr>
-          <p:cNvPr id="6" name="矩形 5">
-            <a:extLst>
-              <a:ext uri="{FF2B5EF4-FFF2-40B4-BE49-F238E27FC236}">
-                <a16:creationId xmlns:a16="http://schemas.microsoft.com/office/drawing/2014/main" id="{3E8F2424-65DB-4AAF-BC1F-9CA43D3788E5}"/>
+              <a:t>J7</a:t>
+            </a:r>
+          </a:p>
+        </p:txBody>
+      </p:sp>
+      <p:sp>
+        <p:nvSpPr>
+          <p:cNvPr id="2" name="矩形 1">
+            <a:extLst>
+              <a:ext uri="{FF2B5EF4-FFF2-40B4-BE49-F238E27FC236}">
+                <a16:creationId xmlns:a16="http://schemas.microsoft.com/office/drawing/2014/main" id="{2C84ED76-203F-4B06-9C52-6CE391DFC240}"/>
               </a:ext>
             </a:extLst>
           </p:cNvPr>
@@ -16911,8 +15484,8 @@
         </p:nvSpPr>
         <p:spPr>
           <a:xfrm>
-            <a:off x="3808280" y="5332325"/>
-            <a:ext cx="1260000" cy="303001"/>
+            <a:off x="5805591" y="5331914"/>
+            <a:ext cx="1080000" cy="309600"/>
           </a:xfrm>
           <a:prstGeom prst="rect">
             <a:avLst/>
@@ -16941,18 +15514,17 @@
             <a:pPr algn="ctr"/>
             <a:r>
               <a:rPr lang="en-US" altLang="zh-CN" dirty="0"/>
-              <a:t>J7</a:t>
-            </a:r>
-            <a:endParaRPr lang="zh-CN" altLang="en-US" dirty="0"/>
-          </a:p>
-        </p:txBody>
-      </p:sp>
-      <p:sp>
-        <p:nvSpPr>
-          <p:cNvPr id="2" name="矩形 1">
-            <a:extLst>
-              <a:ext uri="{FF2B5EF4-FFF2-40B4-BE49-F238E27FC236}">
-                <a16:creationId xmlns:a16="http://schemas.microsoft.com/office/drawing/2014/main" id="{2C84ED76-203F-4B06-9C52-6CE391DFC240}"/>
+              <a:t>J6</a:t>
+            </a:r>
+          </a:p>
+        </p:txBody>
+      </p:sp>
+      <p:sp>
+        <p:nvSpPr>
+          <p:cNvPr id="8" name="矩形 7">
+            <a:extLst>
+              <a:ext uri="{FF2B5EF4-FFF2-40B4-BE49-F238E27FC236}">
+                <a16:creationId xmlns:a16="http://schemas.microsoft.com/office/drawing/2014/main" id="{51FD0B9E-18F9-4FB0-916D-881DA79B1407}"/>
               </a:ext>
             </a:extLst>
           </p:cNvPr>
@@ -16961,105 +15533,7 @@
         </p:nvSpPr>
         <p:spPr>
           <a:xfrm>
-            <a:off x="5070032" y="5332324"/>
-            <a:ext cx="720000" cy="303001"/>
-          </a:xfrm>
-          <a:prstGeom prst="rect">
-            <a:avLst/>
-          </a:prstGeom>
-        </p:spPr>
-        <p:style>
-          <a:lnRef idx="2">
-            <a:schemeClr val="accent1">
-              <a:shade val="50000"/>
-            </a:schemeClr>
-          </a:lnRef>
-          <a:fillRef idx="1">
-            <a:schemeClr val="accent1"/>
-          </a:fillRef>
-          <a:effectRef idx="0">
-            <a:schemeClr val="accent1"/>
-          </a:effectRef>
-          <a:fontRef idx="minor">
-            <a:schemeClr val="lt1"/>
-          </a:fontRef>
-        </p:style>
-        <p:txBody>
-          <a:bodyPr rtlCol="0" anchor="ctr"/>
-          <a:lstStyle/>
-          <a:p>
-            <a:pPr algn="ctr"/>
-            <a:r>
-              <a:rPr lang="en-US" altLang="zh-CN" dirty="0"/>
-              <a:t>J4</a:t>
-            </a:r>
-          </a:p>
-        </p:txBody>
-      </p:sp>
-      <p:sp>
-        <p:nvSpPr>
-          <p:cNvPr id="7" name="矩形 6">
-            <a:extLst>
-              <a:ext uri="{FF2B5EF4-FFF2-40B4-BE49-F238E27FC236}">
-                <a16:creationId xmlns:a16="http://schemas.microsoft.com/office/drawing/2014/main" id="{024DFEC6-CC34-4E7C-8FB8-FDF078DA90C0}"/>
-              </a:ext>
-            </a:extLst>
-          </p:cNvPr>
-          <p:cNvSpPr/>
-          <p:nvPr/>
-        </p:nvSpPr>
-        <p:spPr>
-          <a:xfrm>
-            <a:off x="5610032" y="4771106"/>
-            <a:ext cx="720000" cy="302381"/>
-          </a:xfrm>
-          <a:prstGeom prst="rect">
-            <a:avLst/>
-          </a:prstGeom>
-        </p:spPr>
-        <p:style>
-          <a:lnRef idx="2">
-            <a:schemeClr val="accent1">
-              <a:shade val="50000"/>
-            </a:schemeClr>
-          </a:lnRef>
-          <a:fillRef idx="1">
-            <a:schemeClr val="accent1"/>
-          </a:fillRef>
-          <a:effectRef idx="0">
-            <a:schemeClr val="accent1"/>
-          </a:effectRef>
-          <a:fontRef idx="minor">
-            <a:schemeClr val="lt1"/>
-          </a:fontRef>
-        </p:style>
-        <p:txBody>
-          <a:bodyPr rtlCol="0" anchor="ctr"/>
-          <a:lstStyle/>
-          <a:p>
-            <a:pPr algn="ctr"/>
-            <a:r>
-              <a:rPr lang="en-US" altLang="zh-CN" dirty="0"/>
-              <a:t>J2</a:t>
-            </a:r>
-          </a:p>
-        </p:txBody>
-      </p:sp>
-      <p:sp>
-        <p:nvSpPr>
-          <p:cNvPr id="8" name="矩形 7">
-            <a:extLst>
-              <a:ext uri="{FF2B5EF4-FFF2-40B4-BE49-F238E27FC236}">
-                <a16:creationId xmlns:a16="http://schemas.microsoft.com/office/drawing/2014/main" id="{51FD0B9E-18F9-4FB0-916D-881DA79B1407}"/>
-              </a:ext>
-            </a:extLst>
-          </p:cNvPr>
-          <p:cNvSpPr/>
-          <p:nvPr/>
-        </p:nvSpPr>
-        <p:spPr>
-          <a:xfrm>
-            <a:off x="4531784" y="4195634"/>
+            <a:off x="4894429" y="4195634"/>
             <a:ext cx="1800000" cy="302381"/>
           </a:xfrm>
           <a:prstGeom prst="rect">
@@ -17108,8 +15582,8 @@
         </p:nvSpPr>
         <p:spPr>
           <a:xfrm>
-            <a:off x="5790032" y="5332324"/>
-            <a:ext cx="540000" cy="303001"/>
+            <a:off x="5254429" y="4769486"/>
+            <a:ext cx="1440000" cy="309600"/>
           </a:xfrm>
           <a:prstGeom prst="rect">
             <a:avLst/>
@@ -17138,58 +15612,8 @@
             <a:pPr algn="ctr"/>
             <a:r>
               <a:rPr lang="en-US" altLang="zh-CN" dirty="0"/>
-              <a:t>J3</a:t>
-            </a:r>
-          </a:p>
-        </p:txBody>
-      </p:sp>
-      <p:sp>
-        <p:nvSpPr>
-          <p:cNvPr id="9" name="矩形 8">
-            <a:extLst>
-              <a:ext uri="{FF2B5EF4-FFF2-40B4-BE49-F238E27FC236}">
-                <a16:creationId xmlns:a16="http://schemas.microsoft.com/office/drawing/2014/main" id="{9D599919-AE50-4AF3-8C84-71826A6FB9C4}"/>
-              </a:ext>
-            </a:extLst>
-          </p:cNvPr>
-          <p:cNvSpPr/>
-          <p:nvPr/>
-        </p:nvSpPr>
-        <p:spPr>
-          <a:xfrm>
-            <a:off x="6335426" y="5331732"/>
-            <a:ext cx="180000" cy="303001"/>
-          </a:xfrm>
-          <a:prstGeom prst="rect">
-            <a:avLst/>
-          </a:prstGeom>
-        </p:spPr>
-        <p:style>
-          <a:lnRef idx="2">
-            <a:schemeClr val="accent1">
-              <a:shade val="50000"/>
-            </a:schemeClr>
-          </a:lnRef>
-          <a:fillRef idx="1">
-            <a:schemeClr val="accent1"/>
-          </a:fillRef>
-          <a:effectRef idx="0">
-            <a:schemeClr val="accent1"/>
-          </a:effectRef>
-          <a:fontRef idx="minor">
-            <a:schemeClr val="lt1"/>
-          </a:fontRef>
-        </p:style>
-        <p:txBody>
-          <a:bodyPr rtlCol="0" anchor="ctr"/>
-          <a:lstStyle/>
-          <a:p>
-            <a:pPr algn="ctr"/>
-            <a:r>
-              <a:rPr lang="en-US" altLang="zh-CN" sz="1600" dirty="0"/>
-              <a:t>1</a:t>
-            </a:r>
-            <a:endParaRPr lang="en-US" altLang="zh-CN" sz="800" dirty="0"/>
+              <a:t>J4</a:t>
+            </a:r>
           </a:p>
         </p:txBody>
       </p:sp>
@@ -17303,7 +15727,7 @@
                       <a:srgbClr val="FF0000"/>
                     </a:solidFill>
                   </a:rPr>
-                  <a:t> = 23</a:t>
+                  <a:t> = 25</a:t>
                 </a:r>
                 <a:endParaRPr lang="zh-CN" altLang="en-US" sz="2800" dirty="0">
                   <a:solidFill>
@@ -17472,7 +15896,7 @@
                                 </a:solidFill>
                                 <a:latin typeface="Cambria Math" panose="02040503050406030204" pitchFamily="18" charset="0"/>
                               </a:rPr>
-                              <m:t>*</m:t>
+                              <m:t>∗</m:t>
                             </m:r>
                           </m:sup>
                         </m:sSup>
@@ -17495,7 +15919,7 @@
                       <a:srgbClr val="FF0000"/>
                     </a:solidFill>
                   </a:rPr>
-                  <a:t>1.22</a:t>
+                  <a:t>1.04</a:t>
                 </a:r>
                 <a:endParaRPr lang="zh-CN" altLang="en-US" sz="2800" dirty="0">
                   <a:solidFill>
@@ -17551,10 +15975,127 @@
           </p:sp>
         </mc:Fallback>
       </mc:AlternateContent>
+      <p:sp>
+        <p:nvSpPr>
+          <p:cNvPr id="14" name="矩形 13">
+            <a:extLst>
+              <a:ext uri="{FF2B5EF4-FFF2-40B4-BE49-F238E27FC236}">
+                <a16:creationId xmlns:a16="http://schemas.microsoft.com/office/drawing/2014/main" id="{FEBF8BCD-4BEA-4EF7-B7A1-2E47A2169F1C}"/>
+              </a:ext>
+            </a:extLst>
+          </p:cNvPr>
+          <p:cNvSpPr/>
+          <p:nvPr/>
+        </p:nvSpPr>
+        <p:spPr>
+          <a:xfrm>
+            <a:off x="2363267" y="5331914"/>
+            <a:ext cx="1800000" cy="309194"/>
+          </a:xfrm>
+          <a:prstGeom prst="rect">
+            <a:avLst/>
+          </a:prstGeom>
+        </p:spPr>
+        <p:style>
+          <a:lnRef idx="2">
+            <a:schemeClr val="accent1">
+              <a:shade val="50000"/>
+            </a:schemeClr>
+          </a:lnRef>
+          <a:fillRef idx="1">
+            <a:schemeClr val="accent1"/>
+          </a:fillRef>
+          <a:effectRef idx="0">
+            <a:schemeClr val="accent1"/>
+          </a:effectRef>
+          <a:fontRef idx="minor">
+            <a:schemeClr val="lt1"/>
+          </a:fontRef>
+        </p:style>
+        <p:txBody>
+          <a:bodyPr rtlCol="0" anchor="ctr"/>
+          <a:lstStyle/>
+          <a:p>
+            <a:pPr algn="ctr"/>
+            <a:r>
+              <a:rPr lang="en-US" altLang="zh-CN" dirty="0"/>
+              <a:t>J10</a:t>
+            </a:r>
+            <a:endParaRPr lang="zh-CN" altLang="en-US" dirty="0"/>
+          </a:p>
+        </p:txBody>
+      </p:sp>
     </p:spTree>
     <p:extLst>
       <p:ext uri="{BB962C8B-B14F-4D97-AF65-F5344CB8AC3E}">
         <p14:creationId xmlns:p14="http://schemas.microsoft.com/office/powerpoint/2010/main" val="3594447294"/>
+      </p:ext>
+    </p:extLst>
+  </p:cSld>
+  <p:clrMapOvr>
+    <a:masterClrMapping/>
+  </p:clrMapOvr>
+</p:sld>
+</file>
+
+<file path=ppt/slides/slide19.xml><?xml version="1.0" encoding="utf-8"?>
+<p:sld xmlns:a="http://schemas.openxmlformats.org/drawingml/2006/main" xmlns:r="http://schemas.openxmlformats.org/officeDocument/2006/relationships" xmlns:p="http://schemas.openxmlformats.org/presentationml/2006/main">
+  <p:cSld>
+    <p:spTree>
+      <p:nvGrpSpPr>
+        <p:cNvPr id="1" name=""/>
+        <p:cNvGrpSpPr/>
+        <p:nvPr/>
+      </p:nvGrpSpPr>
+      <p:grpSpPr>
+        <a:xfrm>
+          <a:off x="0" y="0"/>
+          <a:ext cx="0" cy="0"/>
+          <a:chOff x="0" y="0"/>
+          <a:chExt cx="0" cy="0"/>
+        </a:xfrm>
+      </p:grpSpPr>
+      <p:sp>
+        <p:nvSpPr>
+          <p:cNvPr id="4" name="文本框 3">
+            <a:extLst>
+              <a:ext uri="{FF2B5EF4-FFF2-40B4-BE49-F238E27FC236}">
+                <a16:creationId xmlns:a16="http://schemas.microsoft.com/office/drawing/2014/main" id="{84A1761A-9B76-463D-B5DE-3DCC10CAC8B1}"/>
+              </a:ext>
+            </a:extLst>
+          </p:cNvPr>
+          <p:cNvSpPr txBox="1"/>
+          <p:nvPr/>
+        </p:nvSpPr>
+        <p:spPr>
+          <a:xfrm>
+            <a:off x="2025588" y="2290815"/>
+            <a:ext cx="8140823" cy="1323439"/>
+          </a:xfrm>
+          <a:prstGeom prst="rect">
+            <a:avLst/>
+          </a:prstGeom>
+          <a:noFill/>
+        </p:spPr>
+        <p:txBody>
+          <a:bodyPr wrap="square" rtlCol="0">
+            <a:spAutoFit/>
+          </a:bodyPr>
+          <a:lstStyle/>
+          <a:p>
+            <a:pPr algn="ctr"/>
+            <a:r>
+              <a:rPr lang="en-US" altLang="zh-CN" sz="8000" b="1" dirty="0"/>
+              <a:t>Thank you</a:t>
+            </a:r>
+            <a:endParaRPr lang="zh-CN" altLang="en-US" sz="8000" b="1" dirty="0"/>
+          </a:p>
+        </p:txBody>
+      </p:sp>
+    </p:spTree>
+    <p:extLst>
+      <p:ext uri="{BB962C8B-B14F-4D97-AF65-F5344CB8AC3E}">
+        <p14:creationId xmlns:p14="http://schemas.microsoft.com/office/powerpoint/2010/main" val="1522991548"/>
       </p:ext>
     </p:extLst>
   </p:cSld>
@@ -17671,73 +16212,6 @@
     <p:extLst>
       <p:ext uri="{BB962C8B-B14F-4D97-AF65-F5344CB8AC3E}">
         <p14:creationId xmlns:p14="http://schemas.microsoft.com/office/powerpoint/2010/main" val="3121627482"/>
-      </p:ext>
-    </p:extLst>
-  </p:cSld>
-  <p:clrMapOvr>
-    <a:masterClrMapping/>
-  </p:clrMapOvr>
-</p:sld>
-</file>
-
-<file path=ppt/slides/slide20.xml><?xml version="1.0" encoding="utf-8"?>
-<p:sld xmlns:a="http://schemas.openxmlformats.org/drawingml/2006/main" xmlns:r="http://schemas.openxmlformats.org/officeDocument/2006/relationships" xmlns:p="http://schemas.openxmlformats.org/presentationml/2006/main">
-  <p:cSld>
-    <p:spTree>
-      <p:nvGrpSpPr>
-        <p:cNvPr id="1" name=""/>
-        <p:cNvGrpSpPr/>
-        <p:nvPr/>
-      </p:nvGrpSpPr>
-      <p:grpSpPr>
-        <a:xfrm>
-          <a:off x="0" y="0"/>
-          <a:ext cx="0" cy="0"/>
-          <a:chOff x="0" y="0"/>
-          <a:chExt cx="0" cy="0"/>
-        </a:xfrm>
-      </p:grpSpPr>
-      <p:sp>
-        <p:nvSpPr>
-          <p:cNvPr id="4" name="文本框 3">
-            <a:extLst>
-              <a:ext uri="{FF2B5EF4-FFF2-40B4-BE49-F238E27FC236}">
-                <a16:creationId xmlns:a16="http://schemas.microsoft.com/office/drawing/2014/main" id="{84A1761A-9B76-463D-B5DE-3DCC10CAC8B1}"/>
-              </a:ext>
-            </a:extLst>
-          </p:cNvPr>
-          <p:cNvSpPr txBox="1"/>
-          <p:nvPr/>
-        </p:nvSpPr>
-        <p:spPr>
-          <a:xfrm>
-            <a:off x="2025588" y="2290815"/>
-            <a:ext cx="8140823" cy="1323439"/>
-          </a:xfrm>
-          <a:prstGeom prst="rect">
-            <a:avLst/>
-          </a:prstGeom>
-          <a:noFill/>
-        </p:spPr>
-        <p:txBody>
-          <a:bodyPr wrap="square" rtlCol="0">
-            <a:spAutoFit/>
-          </a:bodyPr>
-          <a:lstStyle/>
-          <a:p>
-            <a:pPr algn="ctr"/>
-            <a:r>
-              <a:rPr lang="en-US" altLang="zh-CN" sz="8000" b="1" dirty="0"/>
-              <a:t>Thank you</a:t>
-            </a:r>
-            <a:endParaRPr lang="zh-CN" altLang="en-US" sz="8000" b="1" dirty="0"/>
-          </a:p>
-        </p:txBody>
-      </p:sp>
-    </p:spTree>
-    <p:extLst>
-      <p:ext uri="{BB962C8B-B14F-4D97-AF65-F5344CB8AC3E}">
-        <p14:creationId xmlns:p14="http://schemas.microsoft.com/office/powerpoint/2010/main" val="1522991548"/>
       </p:ext>
     </p:extLst>
   </p:cSld>
